--- a/public/physicsPackets/electron_motion_slideshow.pptx
+++ b/public/physicsPackets/electron_motion_slideshow.pptx
@@ -16,38 +16,40 @@
     <p:sldId id="288" r:id="rId10"/>
     <p:sldId id="284" r:id="rId11"/>
     <p:sldId id="268" r:id="rId12"/>
-    <p:sldId id="269" r:id="rId13"/>
-    <p:sldId id="270" r:id="rId14"/>
-    <p:sldId id="271" r:id="rId15"/>
-    <p:sldId id="272" r:id="rId16"/>
-    <p:sldId id="273" r:id="rId17"/>
-    <p:sldId id="274" r:id="rId18"/>
-    <p:sldId id="289" r:id="rId19"/>
-    <p:sldId id="290" r:id="rId20"/>
-    <p:sldId id="293" r:id="rId21"/>
-    <p:sldId id="291" r:id="rId22"/>
-    <p:sldId id="294" r:id="rId23"/>
-    <p:sldId id="296" r:id="rId24"/>
-    <p:sldId id="297" r:id="rId25"/>
-    <p:sldId id="295" r:id="rId26"/>
-    <p:sldId id="298" r:id="rId27"/>
-    <p:sldId id="299" r:id="rId28"/>
-    <p:sldId id="301" r:id="rId29"/>
-    <p:sldId id="303" r:id="rId30"/>
-    <p:sldId id="304" r:id="rId31"/>
-    <p:sldId id="300" r:id="rId32"/>
-    <p:sldId id="305" r:id="rId33"/>
-    <p:sldId id="306" r:id="rId34"/>
-    <p:sldId id="283" r:id="rId35"/>
-    <p:sldId id="276" r:id="rId36"/>
-    <p:sldId id="279" r:id="rId37"/>
-    <p:sldId id="275" r:id="rId38"/>
-    <p:sldId id="280" r:id="rId39"/>
-    <p:sldId id="281" r:id="rId40"/>
-    <p:sldId id="282" r:id="rId41"/>
-    <p:sldId id="277" r:id="rId42"/>
-    <p:sldId id="278" r:id="rId43"/>
-    <p:sldId id="307" r:id="rId44"/>
+    <p:sldId id="309" r:id="rId13"/>
+    <p:sldId id="269" r:id="rId14"/>
+    <p:sldId id="270" r:id="rId15"/>
+    <p:sldId id="271" r:id="rId16"/>
+    <p:sldId id="272" r:id="rId17"/>
+    <p:sldId id="273" r:id="rId18"/>
+    <p:sldId id="274" r:id="rId19"/>
+    <p:sldId id="289" r:id="rId20"/>
+    <p:sldId id="290" r:id="rId21"/>
+    <p:sldId id="293" r:id="rId22"/>
+    <p:sldId id="291" r:id="rId23"/>
+    <p:sldId id="294" r:id="rId24"/>
+    <p:sldId id="296" r:id="rId25"/>
+    <p:sldId id="297" r:id="rId26"/>
+    <p:sldId id="295" r:id="rId27"/>
+    <p:sldId id="298" r:id="rId28"/>
+    <p:sldId id="299" r:id="rId29"/>
+    <p:sldId id="301" r:id="rId30"/>
+    <p:sldId id="303" r:id="rId31"/>
+    <p:sldId id="304" r:id="rId32"/>
+    <p:sldId id="300" r:id="rId33"/>
+    <p:sldId id="305" r:id="rId34"/>
+    <p:sldId id="306" r:id="rId35"/>
+    <p:sldId id="283" r:id="rId36"/>
+    <p:sldId id="276" r:id="rId37"/>
+    <p:sldId id="279" r:id="rId38"/>
+    <p:sldId id="275" r:id="rId39"/>
+    <p:sldId id="280" r:id="rId40"/>
+    <p:sldId id="281" r:id="rId41"/>
+    <p:sldId id="282" r:id="rId42"/>
+    <p:sldId id="277" r:id="rId43"/>
+    <p:sldId id="278" r:id="rId44"/>
+    <p:sldId id="310" r:id="rId45"/>
+    <p:sldId id="307" r:id="rId46"/>
   </p:sldIdLst>
   <p:sldSz cx="9144000" cy="6858000" type="screen4x3"/>
   <p:notesSz cx="6858000" cy="9144000"/>
@@ -3201,6 +3203,13 @@
   <p:clrMapOvr>
     <a:masterClrMapping/>
   </p:clrMapOvr>
+  <p:timing>
+    <p:tnLst>
+      <p:par>
+        <p:cTn xmlns:p14="http://schemas.microsoft.com/office/powerpoint/2010/main" id="1" dur="indefinite" restart="never" nodeType="tmRoot"/>
+      </p:par>
+    </p:tnLst>
+  </p:timing>
 </p:sld>
 </file>
 
@@ -3285,6 +3294,13 @@
   <p:clrMapOvr>
     <a:masterClrMapping/>
   </p:clrMapOvr>
+  <p:timing>
+    <p:tnLst>
+      <p:par>
+        <p:cTn xmlns:p14="http://schemas.microsoft.com/office/powerpoint/2010/main" id="1" dur="indefinite" restart="never" nodeType="tmRoot"/>
+      </p:par>
+    </p:tnLst>
+  </p:timing>
 </p:sld>
 </file>
 
@@ -3391,40 +3407,46 @@
       </p:sp>
       <p:sp>
         <p:nvSpPr>
-          <p:cNvPr id="4" name="TextBox 3"/>
-          <p:cNvSpPr txBox="1"/>
-          <p:nvPr/>
-        </p:nvSpPr>
-        <p:spPr>
-          <a:xfrm>
-            <a:off x="990286" y="4821317"/>
-            <a:ext cx="5812549" cy="1477328"/>
-          </a:xfrm>
-          <a:prstGeom prst="rect">
+          <p:cNvPr id="5" name="Oval 4"/>
+          <p:cNvSpPr/>
+          <p:nvPr/>
+        </p:nvSpPr>
+        <p:spPr>
+          <a:xfrm>
+            <a:off x="258737" y="3927256"/>
+            <a:ext cx="5786300" cy="729011"/>
+          </a:xfrm>
+          <a:prstGeom prst="ellipse">
             <a:avLst/>
           </a:prstGeom>
           <a:noFill/>
-        </p:spPr>
-        <p:txBody>
-          <a:bodyPr wrap="square" rtlCol="0">
-            <a:spAutoFit/>
-          </a:bodyPr>
-          <a:lstStyle/>
-          <a:p>
-            <a:r>
-              <a:rPr lang="en-US" dirty="0" smtClean="0"/>
-              <a:t>A typical speed of an electron in a wire is approximately 1 inch per hour!</a:t>
-            </a:r>
-          </a:p>
-          <a:p>
-            <a:endParaRPr lang="en-US" dirty="0"/>
-          </a:p>
-          <a:p>
-            <a:r>
-              <a:rPr lang="en-US" dirty="0" smtClean="0"/>
-              <a:t>How can that be???? And why do the light bulbs turn on instantly if the electron is moving so slow???</a:t>
-            </a:r>
-            <a:endParaRPr lang="en-US" dirty="0"/>
+          <a:ln w="38100" cmpd="sng">
+            <a:solidFill>
+              <a:srgbClr val="FF0000"/>
+            </a:solidFill>
+          </a:ln>
+          <a:effectLst/>
+        </p:spPr>
+        <p:style>
+          <a:lnRef idx="1">
+            <a:schemeClr val="accent1"/>
+          </a:lnRef>
+          <a:fillRef idx="3">
+            <a:schemeClr val="accent1"/>
+          </a:fillRef>
+          <a:effectRef idx="2">
+            <a:schemeClr val="accent1"/>
+          </a:effectRef>
+          <a:fontRef idx="minor">
+            <a:schemeClr val="lt1"/>
+          </a:fontRef>
+        </p:style>
+        <p:txBody>
+          <a:bodyPr rtlCol="0" anchor="ctr"/>
+          <a:lstStyle/>
+          <a:p>
+            <a:pPr algn="ctr"/>
+            <a:endParaRPr lang="en-US"/>
           </a:p>
         </p:txBody>
       </p:sp>
@@ -3441,14 +3463,207 @@
   <p:timing>
     <p:tnLst>
       <p:par>
-        <p:cTn xmlns:p14="http://schemas.microsoft.com/office/powerpoint/2010/main" id="1" dur="indefinite" restart="never" nodeType="tmRoot"/>
+        <p:cTn xmlns:p14="http://schemas.microsoft.com/office/powerpoint/2010/main" id="1" dur="indefinite" restart="never" nodeType="tmRoot">
+          <p:childTnLst>
+            <p:seq concurrent="1" nextAc="seek">
+              <p:cTn id="2" dur="indefinite" nodeType="mainSeq">
+                <p:childTnLst>
+                  <p:par>
+                    <p:cTn id="3" fill="hold">
+                      <p:stCondLst>
+                        <p:cond delay="indefinite"/>
+                      </p:stCondLst>
+                      <p:childTnLst>
+                        <p:par>
+                          <p:cTn id="4" fill="hold">
+                            <p:stCondLst>
+                              <p:cond delay="0"/>
+                            </p:stCondLst>
+                            <p:childTnLst>
+                              <p:par>
+                                <p:cTn id="5" presetID="1" presetClass="entr" presetSubtype="0" fill="hold" grpId="0" nodeType="clickEffect">
+                                  <p:stCondLst>
+                                    <p:cond delay="0"/>
+                                  </p:stCondLst>
+                                  <p:childTnLst>
+                                    <p:set>
+                                      <p:cBhvr>
+                                        <p:cTn id="6" dur="1" fill="hold">
+                                          <p:stCondLst>
+                                            <p:cond delay="0"/>
+                                          </p:stCondLst>
+                                        </p:cTn>
+                                        <p:tgtEl>
+                                          <p:spTgt spid="5"/>
+                                        </p:tgtEl>
+                                        <p:attrNameLst>
+                                          <p:attrName>style.visibility</p:attrName>
+                                        </p:attrNameLst>
+                                      </p:cBhvr>
+                                      <p:to>
+                                        <p:strVal val="visible"/>
+                                      </p:to>
+                                    </p:set>
+                                  </p:childTnLst>
+                                </p:cTn>
+                              </p:par>
+                            </p:childTnLst>
+                          </p:cTn>
+                        </p:par>
+                      </p:childTnLst>
+                    </p:cTn>
+                  </p:par>
+                </p:childTnLst>
+              </p:cTn>
+              <p:prevCondLst>
+                <p:cond evt="onPrev" delay="0">
+                  <p:tgtEl>
+                    <p:sldTgt/>
+                  </p:tgtEl>
+                </p:cond>
+              </p:prevCondLst>
+              <p:nextCondLst>
+                <p:cond evt="onNext" delay="0">
+                  <p:tgtEl>
+                    <p:sldTgt/>
+                  </p:tgtEl>
+                </p:cond>
+              </p:nextCondLst>
+            </p:seq>
+          </p:childTnLst>
+        </p:cTn>
       </p:par>
     </p:tnLst>
+    <p:bldLst>
+      <p:bldP spid="5" grpId="0" animBg="1"/>
+    </p:bldLst>
   </p:timing>
 </p:sld>
 </file>
 
 <file path=ppt/slides/slide12.xml><?xml version="1.0" encoding="utf-8"?>
+<p:sld xmlns:a="http://schemas.openxmlformats.org/drawingml/2006/main" xmlns:r="http://schemas.openxmlformats.org/officeDocument/2006/relationships" xmlns:p="http://schemas.openxmlformats.org/presentationml/2006/main">
+  <p:cSld>
+    <p:spTree>
+      <p:nvGrpSpPr>
+        <p:cNvPr id="1" name=""/>
+        <p:cNvGrpSpPr/>
+        <p:nvPr/>
+      </p:nvGrpSpPr>
+      <p:grpSpPr>
+        <a:xfrm>
+          <a:off x="0" y="0"/>
+          <a:ext cx="0" cy="0"/>
+          <a:chOff x="0" y="0"/>
+          <a:chExt cx="0" cy="0"/>
+        </a:xfrm>
+      </p:grpSpPr>
+      <p:sp>
+        <p:nvSpPr>
+          <p:cNvPr id="2" name="Title 1"/>
+          <p:cNvSpPr>
+            <a:spLocks noGrp="1"/>
+          </p:cNvSpPr>
+          <p:nvPr>
+            <p:ph type="title"/>
+          </p:nvPr>
+        </p:nvSpPr>
+        <p:spPr/>
+        <p:txBody>
+          <a:bodyPr/>
+          <a:lstStyle/>
+          <a:p>
+            <a:r>
+              <a:rPr lang="en-US" dirty="0" smtClean="0"/>
+              <a:t>This fast:</a:t>
+            </a:r>
+            <a:endParaRPr lang="en-US" dirty="0"/>
+          </a:p>
+        </p:txBody>
+      </p:sp>
+      <p:pic>
+        <p:nvPicPr>
+          <p:cNvPr id="3" name="Picture 2" descr="Depressed turtle.JPG"/>
+          <p:cNvPicPr>
+            <a:picLocks noChangeAspect="1"/>
+          </p:cNvPicPr>
+          <p:nvPr/>
+        </p:nvPicPr>
+        <p:blipFill>
+          <a:blip r:embed="rId2">
+            <a:extLst>
+              <a:ext uri="{28A0092B-C50C-407E-A947-70E740481C1C}">
+                <a14:useLocalDpi xmlns:a14="http://schemas.microsoft.com/office/drawing/2010/main" val="0"/>
+              </a:ext>
+            </a:extLst>
+          </a:blip>
+          <a:stretch>
+            <a:fillRect/>
+          </a:stretch>
+        </p:blipFill>
+        <p:spPr>
+          <a:xfrm>
+            <a:off x="2369023" y="1417637"/>
+            <a:ext cx="4433812" cy="3325359"/>
+          </a:xfrm>
+          <a:prstGeom prst="rect">
+            <a:avLst/>
+          </a:prstGeom>
+        </p:spPr>
+      </p:pic>
+      <p:sp>
+        <p:nvSpPr>
+          <p:cNvPr id="4" name="TextBox 3"/>
+          <p:cNvSpPr txBox="1"/>
+          <p:nvPr/>
+        </p:nvSpPr>
+        <p:spPr>
+          <a:xfrm>
+            <a:off x="990286" y="4821317"/>
+            <a:ext cx="5812549" cy="1477328"/>
+          </a:xfrm>
+          <a:prstGeom prst="rect">
+            <a:avLst/>
+          </a:prstGeom>
+          <a:noFill/>
+        </p:spPr>
+        <p:txBody>
+          <a:bodyPr wrap="square" rtlCol="0">
+            <a:spAutoFit/>
+          </a:bodyPr>
+          <a:lstStyle/>
+          <a:p>
+            <a:r>
+              <a:rPr lang="en-US" dirty="0" smtClean="0"/>
+              <a:t>A typical speed of an electron in a wire is approximately 1 inch per hour!</a:t>
+            </a:r>
+          </a:p>
+          <a:p>
+            <a:endParaRPr lang="en-US" dirty="0"/>
+          </a:p>
+          <a:p>
+            <a:r>
+              <a:rPr lang="en-US" dirty="0" smtClean="0"/>
+              <a:t>How can that be???? And why do the light bulbs turn on instantly if the electron is moving so slow???</a:t>
+            </a:r>
+            <a:endParaRPr lang="en-US" dirty="0"/>
+          </a:p>
+        </p:txBody>
+      </p:sp>
+    </p:spTree>
+    <p:extLst>
+      <p:ext uri="{BB962C8B-B14F-4D97-AF65-F5344CB8AC3E}">
+        <p14:creationId xmlns:p14="http://schemas.microsoft.com/office/powerpoint/2010/main" val="1398734057"/>
+      </p:ext>
+    </p:extLst>
+  </p:cSld>
+  <p:clrMapOvr>
+    <a:masterClrMapping/>
+  </p:clrMapOvr>
+</p:sld>
+</file>
+
+<file path=ppt/slides/slide13.xml><?xml version="1.0" encoding="utf-8"?>
 <p:sld xmlns:a="http://schemas.openxmlformats.org/drawingml/2006/main" xmlns:r="http://schemas.openxmlformats.org/officeDocument/2006/relationships" xmlns:p="http://schemas.openxmlformats.org/presentationml/2006/main">
   <p:cSld>
     <p:spTree>
@@ -3867,7 +4082,7 @@
 </p:sld>
 </file>
 
-<file path=ppt/slides/slide13.xml><?xml version="1.0" encoding="utf-8"?>
+<file path=ppt/slides/slide14.xml><?xml version="1.0" encoding="utf-8"?>
 <p:sld xmlns:a="http://schemas.openxmlformats.org/drawingml/2006/main" xmlns:r="http://schemas.openxmlformats.org/officeDocument/2006/relationships" xmlns:p="http://schemas.openxmlformats.org/presentationml/2006/main">
   <p:cSld>
     <p:spTree>
@@ -4075,8 +4290,8 @@
         </p:nvSpPr>
         <p:spPr>
           <a:xfrm>
-            <a:off x="1250326" y="6126163"/>
-            <a:ext cx="5769493" cy="1384995"/>
+            <a:off x="0" y="5875979"/>
+            <a:ext cx="9399919" cy="954107"/>
           </a:xfrm>
           <a:prstGeom prst="rect">
             <a:avLst/>
@@ -4091,7 +4306,18 @@
           <a:p>
             <a:r>
               <a:rPr lang="en-US" sz="2800" dirty="0" smtClean="0"/>
-              <a:t>The electrons are moving all the time, in all directions, but they never actually end up going anywhere!</a:t>
+              <a:t>The electrons are moving all the time, in all directions, </a:t>
+            </a:r>
+            <a:endParaRPr lang="en-US" sz="2800" dirty="0" smtClean="0"/>
+          </a:p>
+          <a:p>
+            <a:r>
+              <a:rPr lang="en-US" sz="2800" dirty="0" smtClean="0"/>
+              <a:t>but </a:t>
+            </a:r>
+            <a:r>
+              <a:rPr lang="en-US" sz="2800" dirty="0" smtClean="0"/>
+              <a:t>they never actually end up going anywhere!</a:t>
             </a:r>
             <a:endParaRPr lang="en-US" sz="2800" dirty="0"/>
           </a:p>
@@ -4107,10 +4333,17 @@
   <p:clrMapOvr>
     <a:masterClrMapping/>
   </p:clrMapOvr>
+  <p:timing>
+    <p:tnLst>
+      <p:par>
+        <p:cTn xmlns:p14="http://schemas.microsoft.com/office/powerpoint/2010/main" id="1" dur="indefinite" restart="never" nodeType="tmRoot"/>
+      </p:par>
+    </p:tnLst>
+  </p:timing>
 </p:sld>
 </file>
 
-<file path=ppt/slides/slide14.xml><?xml version="1.0" encoding="utf-8"?>
+<file path=ppt/slides/slide15.xml><?xml version="1.0" encoding="utf-8"?>
 <p:sld xmlns:a="http://schemas.openxmlformats.org/drawingml/2006/main" xmlns:r="http://schemas.openxmlformats.org/officeDocument/2006/relationships" xmlns:p="http://schemas.openxmlformats.org/presentationml/2006/main">
   <p:cSld>
     <p:spTree>
@@ -4296,10 +4529,17 @@
   <p:clrMapOvr>
     <a:masterClrMapping/>
   </p:clrMapOvr>
+  <p:timing>
+    <p:tnLst>
+      <p:par>
+        <p:cTn xmlns:p14="http://schemas.microsoft.com/office/powerpoint/2010/main" id="1" dur="indefinite" restart="never" nodeType="tmRoot"/>
+      </p:par>
+    </p:tnLst>
+  </p:timing>
 </p:sld>
 </file>
 
-<file path=ppt/slides/slide15.xml><?xml version="1.0" encoding="utf-8"?>
+<file path=ppt/slides/slide16.xml><?xml version="1.0" encoding="utf-8"?>
 <p:sld xmlns:a="http://schemas.openxmlformats.org/drawingml/2006/main" xmlns:r="http://schemas.openxmlformats.org/officeDocument/2006/relationships" xmlns:p="http://schemas.openxmlformats.org/presentationml/2006/main">
   <p:cSld>
     <p:spTree>
@@ -4562,10 +4802,17 @@
   <p:clrMapOvr>
     <a:masterClrMapping/>
   </p:clrMapOvr>
+  <p:timing>
+    <p:tnLst>
+      <p:par>
+        <p:cTn xmlns:p14="http://schemas.microsoft.com/office/powerpoint/2010/main" id="1" dur="indefinite" restart="never" nodeType="tmRoot"/>
+      </p:par>
+    </p:tnLst>
+  </p:timing>
 </p:sld>
 </file>
 
-<file path=ppt/slides/slide16.xml><?xml version="1.0" encoding="utf-8"?>
+<file path=ppt/slides/slide17.xml><?xml version="1.0" encoding="utf-8"?>
 <p:sld xmlns:a="http://schemas.openxmlformats.org/drawingml/2006/main" xmlns:r="http://schemas.openxmlformats.org/officeDocument/2006/relationships" xmlns:p="http://schemas.openxmlformats.org/presentationml/2006/main">
   <p:cSld>
     <p:spTree>
@@ -5013,125 +5260,13 @@
   <p:clrMapOvr>
     <a:masterClrMapping/>
   </p:clrMapOvr>
-</p:sld>
-</file>
-
-<file path=ppt/slides/slide17.xml><?xml version="1.0" encoding="utf-8"?>
-<p:sld xmlns:a="http://schemas.openxmlformats.org/drawingml/2006/main" xmlns:r="http://schemas.openxmlformats.org/officeDocument/2006/relationships" xmlns:p="http://schemas.openxmlformats.org/presentationml/2006/main">
-  <p:cSld>
-    <p:spTree>
-      <p:nvGrpSpPr>
-        <p:cNvPr id="1" name=""/>
-        <p:cNvGrpSpPr/>
-        <p:nvPr/>
-      </p:nvGrpSpPr>
-      <p:grpSpPr>
-        <a:xfrm>
-          <a:off x="0" y="0"/>
-          <a:ext cx="0" cy="0"/>
-          <a:chOff x="0" y="0"/>
-          <a:chExt cx="0" cy="0"/>
-        </a:xfrm>
-      </p:grpSpPr>
-      <p:sp>
-        <p:nvSpPr>
-          <p:cNvPr id="2" name="Title 1"/>
-          <p:cNvSpPr>
-            <a:spLocks noGrp="1"/>
-          </p:cNvSpPr>
-          <p:nvPr>
-            <p:ph type="title"/>
-          </p:nvPr>
-        </p:nvSpPr>
-        <p:spPr/>
-        <p:txBody>
-          <a:bodyPr/>
-          <a:lstStyle/>
-          <a:p>
-            <a:endParaRPr lang="en-US"/>
-          </a:p>
-        </p:txBody>
-      </p:sp>
-      <p:sp>
-        <p:nvSpPr>
-          <p:cNvPr id="3" name="Content Placeholder 2"/>
-          <p:cNvSpPr>
-            <a:spLocks noGrp="1"/>
-          </p:cNvSpPr>
-          <p:nvPr>
-            <p:ph idx="1"/>
-          </p:nvPr>
-        </p:nvSpPr>
-        <p:spPr/>
-        <p:txBody>
-          <a:bodyPr>
-            <a:normAutofit fontScale="92500" lnSpcReduction="10000"/>
-          </a:bodyPr>
-          <a:lstStyle/>
-          <a:p>
-            <a:r>
-              <a:rPr lang="en-US" dirty="0" smtClean="0"/>
-              <a:t>This is called the </a:t>
-            </a:r>
-            <a:r>
-              <a:rPr lang="en-US" i="1" dirty="0" smtClean="0"/>
-              <a:t>electron drift</a:t>
-            </a:r>
-            <a:r>
-              <a:rPr lang="en-US" dirty="0" smtClean="0"/>
-              <a:t>.</a:t>
-            </a:r>
-          </a:p>
-          <a:p>
-            <a:endParaRPr lang="en-US" dirty="0"/>
-          </a:p>
-          <a:p>
-            <a:r>
-              <a:rPr lang="en-US" dirty="0" smtClean="0"/>
-              <a:t>Instead of saying that electrons </a:t>
-            </a:r>
-            <a:r>
-              <a:rPr lang="en-US" i="1" dirty="0" smtClean="0"/>
-              <a:t>move</a:t>
-            </a:r>
-            <a:r>
-              <a:rPr lang="en-US" dirty="0" smtClean="0"/>
-              <a:t> around a circuit, its actually somewhat more correct to say they </a:t>
-            </a:r>
-            <a:r>
-              <a:rPr lang="en-US" i="1" dirty="0" smtClean="0"/>
-              <a:t>drift</a:t>
-            </a:r>
-            <a:r>
-              <a:rPr lang="en-US" dirty="0" smtClean="0"/>
-              <a:t> around the circuit!</a:t>
-            </a:r>
-          </a:p>
-          <a:p>
-            <a:endParaRPr lang="en-US" dirty="0"/>
-          </a:p>
-          <a:p>
-            <a:endParaRPr lang="en-US" dirty="0" smtClean="0"/>
-          </a:p>
-          <a:p>
-            <a:r>
-              <a:rPr lang="en-US" dirty="0" smtClean="0"/>
-              <a:t>The “drift velocity” the speed at which they drift, is only about 1 inch per minute!</a:t>
-            </a:r>
-            <a:endParaRPr lang="en-US" dirty="0"/>
-          </a:p>
-        </p:txBody>
-      </p:sp>
-    </p:spTree>
-    <p:extLst>
-      <p:ext uri="{BB962C8B-B14F-4D97-AF65-F5344CB8AC3E}">
-        <p14:creationId xmlns:p14="http://schemas.microsoft.com/office/powerpoint/2010/main" val="1366662501"/>
-      </p:ext>
-    </p:extLst>
-  </p:cSld>
-  <p:clrMapOvr>
-    <a:masterClrMapping/>
-  </p:clrMapOvr>
+  <p:timing>
+    <p:tnLst>
+      <p:par>
+        <p:cTn xmlns:p14="http://schemas.microsoft.com/office/powerpoint/2010/main" id="1" dur="indefinite" restart="never" nodeType="tmRoot"/>
+      </p:par>
+    </p:tnLst>
+  </p:timing>
 </p:sld>
 </file>
 
@@ -5159,7 +5294,7 @@
             <a:spLocks noGrp="1"/>
           </p:cNvSpPr>
           <p:nvPr>
-            <p:ph type="ctrTitle"/>
+            <p:ph type="title"/>
           </p:nvPr>
         </p:nvSpPr>
         <p:spPr/>
@@ -5167,32 +5302,75 @@
           <a:bodyPr/>
           <a:lstStyle/>
           <a:p>
-            <a:r>
-              <a:rPr lang="en-US" dirty="0" smtClean="0"/>
-              <a:t>4: How Batteries Work</a:t>
-            </a:r>
-            <a:endParaRPr lang="en-US" dirty="0"/>
-          </a:p>
-        </p:txBody>
-      </p:sp>
-      <p:sp>
-        <p:nvSpPr>
-          <p:cNvPr id="3" name="Subtitle 2"/>
+            <a:endParaRPr lang="en-US"/>
+          </a:p>
+        </p:txBody>
+      </p:sp>
+      <p:sp>
+        <p:nvSpPr>
+          <p:cNvPr id="3" name="Content Placeholder 2"/>
           <p:cNvSpPr>
             <a:spLocks noGrp="1"/>
           </p:cNvSpPr>
           <p:nvPr>
-            <p:ph type="subTitle" idx="1"/>
+            <p:ph idx="1"/>
           </p:nvPr>
         </p:nvSpPr>
         <p:spPr/>
         <p:txBody>
-          <a:bodyPr/>
+          <a:bodyPr>
+            <a:normAutofit fontScale="92500" lnSpcReduction="10000"/>
+          </a:bodyPr>
           <a:lstStyle/>
           <a:p>
             <a:r>
               <a:rPr lang="en-US" dirty="0" smtClean="0"/>
-              <a:t>Describing what pushes and pulls electrons as they move around the circuit</a:t>
+              <a:t>This is called the </a:t>
+            </a:r>
+            <a:r>
+              <a:rPr lang="en-US" i="1" dirty="0" smtClean="0"/>
+              <a:t>electron drift</a:t>
+            </a:r>
+            <a:r>
+              <a:rPr lang="en-US" dirty="0" smtClean="0"/>
+              <a:t>.</a:t>
+            </a:r>
+          </a:p>
+          <a:p>
+            <a:endParaRPr lang="en-US" dirty="0"/>
+          </a:p>
+          <a:p>
+            <a:r>
+              <a:rPr lang="en-US" dirty="0" smtClean="0"/>
+              <a:t>Instead of saying that electrons </a:t>
+            </a:r>
+            <a:r>
+              <a:rPr lang="en-US" i="1" dirty="0" smtClean="0"/>
+              <a:t>move</a:t>
+            </a:r>
+            <a:r>
+              <a:rPr lang="en-US" dirty="0" smtClean="0"/>
+              <a:t> around a circuit, its actually somewhat more correct to say they </a:t>
+            </a:r>
+            <a:r>
+              <a:rPr lang="en-US" i="1" dirty="0" smtClean="0"/>
+              <a:t>drift</a:t>
+            </a:r>
+            <a:r>
+              <a:rPr lang="en-US" dirty="0" smtClean="0"/>
+              <a:t> around the circuit!</a:t>
+            </a:r>
+          </a:p>
+          <a:p>
+            <a:endParaRPr lang="en-US" dirty="0"/>
+          </a:p>
+          <a:p>
+            <a:endParaRPr lang="en-US" dirty="0" smtClean="0"/>
+          </a:p>
+          <a:p>
+            <a:r>
+              <a:rPr lang="en-US" dirty="0" smtClean="0"/>
+              <a:t>The “drift velocity” the speed at which they drift, is only about 1 inch per minute!</a:t>
             </a:r>
             <a:endParaRPr lang="en-US" dirty="0"/>
           </a:p>
@@ -5201,13 +5379,20 @@
     </p:spTree>
     <p:extLst>
       <p:ext uri="{BB962C8B-B14F-4D97-AF65-F5344CB8AC3E}">
-        <p14:creationId xmlns:p14="http://schemas.microsoft.com/office/powerpoint/2010/main" val="3473072844"/>
+        <p14:creationId xmlns:p14="http://schemas.microsoft.com/office/powerpoint/2010/main" val="1366662501"/>
       </p:ext>
     </p:extLst>
   </p:cSld>
   <p:clrMapOvr>
     <a:masterClrMapping/>
   </p:clrMapOvr>
+  <p:timing>
+    <p:tnLst>
+      <p:par>
+        <p:cTn xmlns:p14="http://schemas.microsoft.com/office/powerpoint/2010/main" id="1" dur="indefinite" restart="never" nodeType="tmRoot"/>
+      </p:par>
+    </p:tnLst>
+  </p:timing>
 </p:sld>
 </file>
 
@@ -5235,19 +5420,17 @@
             <a:spLocks noGrp="1"/>
           </p:cNvSpPr>
           <p:nvPr>
-            <p:ph type="title"/>
+            <p:ph type="ctrTitle"/>
           </p:nvPr>
         </p:nvSpPr>
         <p:spPr/>
         <p:txBody>
-          <a:bodyPr>
-            <a:normAutofit fontScale="90000"/>
-          </a:bodyPr>
+          <a:bodyPr/>
           <a:lstStyle/>
           <a:p>
             <a:r>
               <a:rPr lang="en-US" dirty="0" smtClean="0"/>
-              <a:t>Where do the electrons in the current come from?</a:t>
+              <a:t>4: How Batteries Work</a:t>
             </a:r>
             <a:endParaRPr lang="en-US" dirty="0"/>
           </a:p>
@@ -5255,12 +5438,12 @@
       </p:sp>
       <p:sp>
         <p:nvSpPr>
-          <p:cNvPr id="3" name="Content Placeholder 2"/>
+          <p:cNvPr id="3" name="Subtitle 2"/>
           <p:cNvSpPr>
             <a:spLocks noGrp="1"/>
           </p:cNvSpPr>
           <p:nvPr>
-            <p:ph idx="1"/>
+            <p:ph type="subTitle" idx="1"/>
           </p:nvPr>
         </p:nvSpPr>
         <p:spPr/>
@@ -5270,13 +5453,7 @@
           <a:p>
             <a:r>
               <a:rPr lang="en-US" dirty="0" smtClean="0"/>
-              <a:t>A. on the negative side of the battery is a big chunk of electrons that are being sent out of the battery</a:t>
-            </a:r>
-          </a:p>
-          <a:p>
-            <a:r>
-              <a:rPr lang="en-US" dirty="0" smtClean="0"/>
-              <a:t>B. on the negative side of the battery is a chemical that is releasing electrons as part of a chemical reaction</a:t>
+              <a:t>Describing what pushes and pulls electrons as they move around the circuit</a:t>
             </a:r>
             <a:endParaRPr lang="en-US" dirty="0"/>
           </a:p>
@@ -5285,13 +5462,20 @@
     </p:spTree>
     <p:extLst>
       <p:ext uri="{BB962C8B-B14F-4D97-AF65-F5344CB8AC3E}">
-        <p14:creationId xmlns:p14="http://schemas.microsoft.com/office/powerpoint/2010/main" val="1428175831"/>
+        <p14:creationId xmlns:p14="http://schemas.microsoft.com/office/powerpoint/2010/main" val="3473072844"/>
       </p:ext>
     </p:extLst>
   </p:cSld>
   <p:clrMapOvr>
     <a:masterClrMapping/>
   </p:clrMapOvr>
+  <p:timing>
+    <p:tnLst>
+      <p:par>
+        <p:cTn xmlns:p14="http://schemas.microsoft.com/office/powerpoint/2010/main" id="1" dur="indefinite" restart="never" nodeType="tmRoot"/>
+      </p:par>
+    </p:tnLst>
+  </p:timing>
 </p:sld>
 </file>
 
@@ -5368,6 +5552,13 @@
   <p:clrMapOvr>
     <a:masterClrMapping/>
   </p:clrMapOvr>
+  <p:timing>
+    <p:tnLst>
+      <p:par>
+        <p:cTn xmlns:p14="http://schemas.microsoft.com/office/powerpoint/2010/main" id="1" dur="indefinite" restart="never" nodeType="tmRoot"/>
+      </p:par>
+    </p:tnLst>
+  </p:timing>
 </p:sld>
 </file>
 
@@ -5407,7 +5598,7 @@
           <a:p>
             <a:r>
               <a:rPr lang="en-US" dirty="0" smtClean="0"/>
-              <a:t>Why are electrons pulled towards the positive end of the battery?</a:t>
+              <a:t>Where do the electrons in the current come from?</a:t>
             </a:r>
             <a:endParaRPr lang="en-US" dirty="0"/>
           </a:p>
@@ -5430,28 +5621,151 @@
           <a:p>
             <a:r>
               <a:rPr lang="en-US" dirty="0" smtClean="0"/>
-              <a:t>A. on the positive end of the battery is a big chunk of protons that attracts the electrons.</a:t>
+              <a:t>A. on the negative side of the battery is a big chunk of electrons that are being sent out of the battery</a:t>
             </a:r>
           </a:p>
           <a:p>
             <a:r>
               <a:rPr lang="en-US" dirty="0" smtClean="0"/>
-              <a:t>B. on the positive end of the  battery is a chemical that receives electrons as part of a chemical reaction</a:t>
+              <a:t>B. on the negative side of the battery is a chemical that is releasing electrons as part of a chemical reaction</a:t>
             </a:r>
             <a:endParaRPr lang="en-US" dirty="0"/>
+          </a:p>
+        </p:txBody>
+      </p:sp>
+      <p:sp>
+        <p:nvSpPr>
+          <p:cNvPr id="4" name="Oval 3"/>
+          <p:cNvSpPr/>
+          <p:nvPr/>
+        </p:nvSpPr>
+        <p:spPr>
+          <a:xfrm>
+            <a:off x="258736" y="2916046"/>
+            <a:ext cx="8428063" cy="2116486"/>
+          </a:xfrm>
+          <a:prstGeom prst="ellipse">
+            <a:avLst/>
+          </a:prstGeom>
+          <a:noFill/>
+          <a:ln w="38100" cmpd="sng">
+            <a:solidFill>
+              <a:srgbClr val="FF0000"/>
+            </a:solidFill>
+          </a:ln>
+          <a:effectLst/>
+        </p:spPr>
+        <p:style>
+          <a:lnRef idx="1">
+            <a:schemeClr val="accent1"/>
+          </a:lnRef>
+          <a:fillRef idx="3">
+            <a:schemeClr val="accent1"/>
+          </a:fillRef>
+          <a:effectRef idx="2">
+            <a:schemeClr val="accent1"/>
+          </a:effectRef>
+          <a:fontRef idx="minor">
+            <a:schemeClr val="lt1"/>
+          </a:fontRef>
+        </p:style>
+        <p:txBody>
+          <a:bodyPr rtlCol="0" anchor="ctr"/>
+          <a:lstStyle/>
+          <a:p>
+            <a:pPr algn="ctr"/>
+            <a:endParaRPr lang="en-US"/>
           </a:p>
         </p:txBody>
       </p:sp>
     </p:spTree>
     <p:extLst>
       <p:ext uri="{BB962C8B-B14F-4D97-AF65-F5344CB8AC3E}">
-        <p14:creationId xmlns:p14="http://schemas.microsoft.com/office/powerpoint/2010/main" val="2065265965"/>
+        <p14:creationId xmlns:p14="http://schemas.microsoft.com/office/powerpoint/2010/main" val="1428175831"/>
       </p:ext>
     </p:extLst>
   </p:cSld>
   <p:clrMapOvr>
     <a:masterClrMapping/>
   </p:clrMapOvr>
+  <p:timing>
+    <p:tnLst>
+      <p:par>
+        <p:cTn xmlns:p14="http://schemas.microsoft.com/office/powerpoint/2010/main" id="1" dur="indefinite" restart="never" nodeType="tmRoot">
+          <p:childTnLst>
+            <p:seq concurrent="1" nextAc="seek">
+              <p:cTn id="2" dur="indefinite" nodeType="mainSeq">
+                <p:childTnLst>
+                  <p:par>
+                    <p:cTn id="3" fill="hold">
+                      <p:stCondLst>
+                        <p:cond delay="indefinite"/>
+                      </p:stCondLst>
+                      <p:childTnLst>
+                        <p:par>
+                          <p:cTn id="4" fill="hold">
+                            <p:stCondLst>
+                              <p:cond delay="0"/>
+                            </p:stCondLst>
+                            <p:childTnLst>
+                              <p:par>
+                                <p:cTn id="5" presetID="1" presetClass="entr" presetSubtype="0" fill="hold" grpId="0" nodeType="clickEffect">
+                                  <p:stCondLst>
+                                    <p:cond delay="0"/>
+                                  </p:stCondLst>
+                                  <p:childTnLst>
+                                    <p:set>
+                                      <p:cBhvr>
+                                        <p:cTn id="6" dur="1" fill="hold">
+                                          <p:stCondLst>
+                                            <p:cond delay="0"/>
+                                          </p:stCondLst>
+                                        </p:cTn>
+                                        <p:tgtEl>
+                                          <p:spTgt spid="4"/>
+                                        </p:tgtEl>
+                                        <p:attrNameLst>
+                                          <p:attrName>style.visibility</p:attrName>
+                                        </p:attrNameLst>
+                                      </p:cBhvr>
+                                      <p:to>
+                                        <p:strVal val="visible"/>
+                                      </p:to>
+                                    </p:set>
+                                  </p:childTnLst>
+                                </p:cTn>
+                              </p:par>
+                            </p:childTnLst>
+                          </p:cTn>
+                        </p:par>
+                      </p:childTnLst>
+                    </p:cTn>
+                  </p:par>
+                </p:childTnLst>
+              </p:cTn>
+              <p:prevCondLst>
+                <p:cond evt="onPrev" delay="0">
+                  <p:tgtEl>
+                    <p:sldTgt/>
+                  </p:tgtEl>
+                </p:cond>
+              </p:prevCondLst>
+              <p:nextCondLst>
+                <p:cond evt="onNext" delay="0">
+                  <p:tgtEl>
+                    <p:sldTgt/>
+                  </p:tgtEl>
+                </p:cond>
+              </p:nextCondLst>
+            </p:seq>
+          </p:childTnLst>
+        </p:cTn>
+      </p:par>
+    </p:tnLst>
+    <p:bldLst>
+      <p:bldP spid="4" grpId="0" animBg="1"/>
+    </p:bldLst>
+  </p:timing>
 </p:sld>
 </file>
 
@@ -5484,6 +5798,213 @@
         </p:nvSpPr>
         <p:spPr/>
         <p:txBody>
+          <a:bodyPr>
+            <a:normAutofit fontScale="90000"/>
+          </a:bodyPr>
+          <a:lstStyle/>
+          <a:p>
+            <a:r>
+              <a:rPr lang="en-US" dirty="0" smtClean="0"/>
+              <a:t>Why are electrons pulled towards the positive end of the battery?</a:t>
+            </a:r>
+            <a:endParaRPr lang="en-US" dirty="0"/>
+          </a:p>
+        </p:txBody>
+      </p:sp>
+      <p:sp>
+        <p:nvSpPr>
+          <p:cNvPr id="3" name="Content Placeholder 2"/>
+          <p:cNvSpPr>
+            <a:spLocks noGrp="1"/>
+          </p:cNvSpPr>
+          <p:nvPr>
+            <p:ph idx="1"/>
+          </p:nvPr>
+        </p:nvSpPr>
+        <p:spPr/>
+        <p:txBody>
+          <a:bodyPr/>
+          <a:lstStyle/>
+          <a:p>
+            <a:r>
+              <a:rPr lang="en-US" dirty="0" smtClean="0"/>
+              <a:t>A. on the positive end of the battery is a big chunk of protons that attracts the electrons.</a:t>
+            </a:r>
+          </a:p>
+          <a:p>
+            <a:r>
+              <a:rPr lang="en-US" dirty="0" smtClean="0"/>
+              <a:t>B. on the positive end of the  battery is a chemical that receives electrons as part of a chemical reaction</a:t>
+            </a:r>
+            <a:endParaRPr lang="en-US" dirty="0"/>
+          </a:p>
+        </p:txBody>
+      </p:sp>
+      <p:sp>
+        <p:nvSpPr>
+          <p:cNvPr id="4" name="Oval 3"/>
+          <p:cNvSpPr/>
+          <p:nvPr/>
+        </p:nvSpPr>
+        <p:spPr>
+          <a:xfrm>
+            <a:off x="457200" y="2680881"/>
+            <a:ext cx="8229600" cy="1716705"/>
+          </a:xfrm>
+          <a:prstGeom prst="ellipse">
+            <a:avLst/>
+          </a:prstGeom>
+          <a:noFill/>
+          <a:ln w="38100" cmpd="sng">
+            <a:solidFill>
+              <a:srgbClr val="FF0000"/>
+            </a:solidFill>
+          </a:ln>
+          <a:effectLst/>
+        </p:spPr>
+        <p:style>
+          <a:lnRef idx="1">
+            <a:schemeClr val="accent1"/>
+          </a:lnRef>
+          <a:fillRef idx="3">
+            <a:schemeClr val="accent1"/>
+          </a:fillRef>
+          <a:effectRef idx="2">
+            <a:schemeClr val="accent1"/>
+          </a:effectRef>
+          <a:fontRef idx="minor">
+            <a:schemeClr val="lt1"/>
+          </a:fontRef>
+        </p:style>
+        <p:txBody>
+          <a:bodyPr rtlCol="0" anchor="ctr"/>
+          <a:lstStyle/>
+          <a:p>
+            <a:pPr algn="ctr"/>
+            <a:endParaRPr lang="en-US"/>
+          </a:p>
+        </p:txBody>
+      </p:sp>
+    </p:spTree>
+    <p:extLst>
+      <p:ext uri="{BB962C8B-B14F-4D97-AF65-F5344CB8AC3E}">
+        <p14:creationId xmlns:p14="http://schemas.microsoft.com/office/powerpoint/2010/main" val="2065265965"/>
+      </p:ext>
+    </p:extLst>
+  </p:cSld>
+  <p:clrMapOvr>
+    <a:masterClrMapping/>
+  </p:clrMapOvr>
+  <p:timing>
+    <p:tnLst>
+      <p:par>
+        <p:cTn xmlns:p14="http://schemas.microsoft.com/office/powerpoint/2010/main" id="1" dur="indefinite" restart="never" nodeType="tmRoot">
+          <p:childTnLst>
+            <p:seq concurrent="1" nextAc="seek">
+              <p:cTn id="2" dur="indefinite" nodeType="mainSeq">
+                <p:childTnLst>
+                  <p:par>
+                    <p:cTn id="3" fill="hold">
+                      <p:stCondLst>
+                        <p:cond delay="indefinite"/>
+                      </p:stCondLst>
+                      <p:childTnLst>
+                        <p:par>
+                          <p:cTn id="4" fill="hold">
+                            <p:stCondLst>
+                              <p:cond delay="0"/>
+                            </p:stCondLst>
+                            <p:childTnLst>
+                              <p:par>
+                                <p:cTn id="5" presetID="1" presetClass="entr" presetSubtype="0" fill="hold" grpId="0" nodeType="clickEffect">
+                                  <p:stCondLst>
+                                    <p:cond delay="0"/>
+                                  </p:stCondLst>
+                                  <p:childTnLst>
+                                    <p:set>
+                                      <p:cBhvr>
+                                        <p:cTn id="6" dur="1" fill="hold">
+                                          <p:stCondLst>
+                                            <p:cond delay="0"/>
+                                          </p:stCondLst>
+                                        </p:cTn>
+                                        <p:tgtEl>
+                                          <p:spTgt spid="4"/>
+                                        </p:tgtEl>
+                                        <p:attrNameLst>
+                                          <p:attrName>style.visibility</p:attrName>
+                                        </p:attrNameLst>
+                                      </p:cBhvr>
+                                      <p:to>
+                                        <p:strVal val="visible"/>
+                                      </p:to>
+                                    </p:set>
+                                  </p:childTnLst>
+                                </p:cTn>
+                              </p:par>
+                            </p:childTnLst>
+                          </p:cTn>
+                        </p:par>
+                      </p:childTnLst>
+                    </p:cTn>
+                  </p:par>
+                </p:childTnLst>
+              </p:cTn>
+              <p:prevCondLst>
+                <p:cond evt="onPrev" delay="0">
+                  <p:tgtEl>
+                    <p:sldTgt/>
+                  </p:tgtEl>
+                </p:cond>
+              </p:prevCondLst>
+              <p:nextCondLst>
+                <p:cond evt="onNext" delay="0">
+                  <p:tgtEl>
+                    <p:sldTgt/>
+                  </p:tgtEl>
+                </p:cond>
+              </p:nextCondLst>
+            </p:seq>
+          </p:childTnLst>
+        </p:cTn>
+      </p:par>
+    </p:tnLst>
+    <p:bldLst>
+      <p:bldP spid="4" grpId="0" animBg="1"/>
+    </p:bldLst>
+  </p:timing>
+</p:sld>
+</file>
+
+<file path=ppt/slides/slide22.xml><?xml version="1.0" encoding="utf-8"?>
+<p:sld xmlns:a="http://schemas.openxmlformats.org/drawingml/2006/main" xmlns:r="http://schemas.openxmlformats.org/officeDocument/2006/relationships" xmlns:p="http://schemas.openxmlformats.org/presentationml/2006/main">
+  <p:cSld>
+    <p:spTree>
+      <p:nvGrpSpPr>
+        <p:cNvPr id="1" name=""/>
+        <p:cNvGrpSpPr/>
+        <p:nvPr/>
+      </p:nvGrpSpPr>
+      <p:grpSpPr>
+        <a:xfrm>
+          <a:off x="0" y="0"/>
+          <a:ext cx="0" cy="0"/>
+          <a:chOff x="0" y="0"/>
+          <a:chExt cx="0" cy="0"/>
+        </a:xfrm>
+      </p:grpSpPr>
+      <p:sp>
+        <p:nvSpPr>
+          <p:cNvPr id="2" name="Title 1"/>
+          <p:cNvSpPr>
+            <a:spLocks noGrp="1"/>
+          </p:cNvSpPr>
+          <p:nvPr>
+            <p:ph type="title"/>
+          </p:nvPr>
+        </p:nvSpPr>
+        <p:spPr/>
+        <p:txBody>
           <a:bodyPr/>
           <a:lstStyle/>
           <a:p>
@@ -5546,7 +6067,7 @@
 </p:sld>
 </file>
 
-<file path=ppt/slides/slide22.xml><?xml version="1.0" encoding="utf-8"?>
+<file path=ppt/slides/slide23.xml><?xml version="1.0" encoding="utf-8"?>
 <p:sld xmlns:a="http://schemas.openxmlformats.org/drawingml/2006/main" xmlns:r="http://schemas.openxmlformats.org/officeDocument/2006/relationships" xmlns:p="http://schemas.openxmlformats.org/presentationml/2006/main">
   <p:cSld>
     <p:spTree>
@@ -6796,560 +7317,6 @@
 </p:sld>
 </file>
 
-<file path=ppt/slides/slide23.xml><?xml version="1.0" encoding="utf-8"?>
-<p:sld xmlns:a="http://schemas.openxmlformats.org/drawingml/2006/main" xmlns:r="http://schemas.openxmlformats.org/officeDocument/2006/relationships" xmlns:p="http://schemas.openxmlformats.org/presentationml/2006/main">
-  <p:cSld>
-    <p:spTree>
-      <p:nvGrpSpPr>
-        <p:cNvPr id="1" name=""/>
-        <p:cNvGrpSpPr/>
-        <p:nvPr/>
-      </p:nvGrpSpPr>
-      <p:grpSpPr>
-        <a:xfrm>
-          <a:off x="0" y="0"/>
-          <a:ext cx="0" cy="0"/>
-          <a:chOff x="0" y="0"/>
-          <a:chExt cx="0" cy="0"/>
-        </a:xfrm>
-      </p:grpSpPr>
-      <p:sp>
-        <p:nvSpPr>
-          <p:cNvPr id="2" name="Title 1"/>
-          <p:cNvSpPr>
-            <a:spLocks noGrp="1"/>
-          </p:cNvSpPr>
-          <p:nvPr>
-            <p:ph type="title"/>
-          </p:nvPr>
-        </p:nvSpPr>
-        <p:spPr/>
-        <p:txBody>
-          <a:bodyPr/>
-          <a:lstStyle/>
-          <a:p>
-            <a:r>
-              <a:rPr lang="en-US" dirty="0" smtClean="0"/>
-              <a:t>How a battery actually works:</a:t>
-            </a:r>
-            <a:endParaRPr lang="en-US" dirty="0"/>
-          </a:p>
-        </p:txBody>
-      </p:sp>
-      <p:sp>
-        <p:nvSpPr>
-          <p:cNvPr id="4" name="Can 3"/>
-          <p:cNvSpPr/>
-          <p:nvPr/>
-        </p:nvSpPr>
-        <p:spPr>
-          <a:xfrm rot="16200000" flipH="1">
-            <a:off x="2522676" y="88480"/>
-            <a:ext cx="3875032" cy="7847208"/>
-          </a:xfrm>
-          <a:prstGeom prst="can">
-            <a:avLst/>
-          </a:prstGeom>
-          <a:noFill/>
-          <a:ln w="28575" cmpd="sng">
-            <a:solidFill>
-              <a:schemeClr val="tx1"/>
-            </a:solidFill>
-          </a:ln>
-          <a:effectLst/>
-        </p:spPr>
-        <p:style>
-          <a:lnRef idx="1">
-            <a:schemeClr val="accent1"/>
-          </a:lnRef>
-          <a:fillRef idx="3">
-            <a:schemeClr val="accent1"/>
-          </a:fillRef>
-          <a:effectRef idx="2">
-            <a:schemeClr val="accent1"/>
-          </a:effectRef>
-          <a:fontRef idx="minor">
-            <a:schemeClr val="lt1"/>
-          </a:fontRef>
-        </p:style>
-        <p:txBody>
-          <a:bodyPr rtlCol="0" anchor="ctr"/>
-          <a:lstStyle/>
-          <a:p>
-            <a:pPr algn="ctr"/>
-            <a:endParaRPr lang="en-US"/>
-          </a:p>
-        </p:txBody>
-      </p:sp>
-      <p:sp>
-        <p:nvSpPr>
-          <p:cNvPr id="5" name="TextBox 4"/>
-          <p:cNvSpPr txBox="1"/>
-          <p:nvPr/>
-        </p:nvSpPr>
-        <p:spPr>
-          <a:xfrm>
-            <a:off x="1927919" y="2234513"/>
-            <a:ext cx="387504" cy="584776"/>
-          </a:xfrm>
-          <a:prstGeom prst="rect">
-            <a:avLst/>
-          </a:prstGeom>
-          <a:noFill/>
-        </p:spPr>
-        <p:txBody>
-          <a:bodyPr wrap="square" rtlCol="0">
-            <a:spAutoFit/>
-          </a:bodyPr>
-          <a:lstStyle/>
-          <a:p>
-            <a:r>
-              <a:rPr lang="en-US" sz="3200" dirty="0"/>
-              <a:t>+</a:t>
-            </a:r>
-          </a:p>
-        </p:txBody>
-      </p:sp>
-      <p:sp>
-        <p:nvSpPr>
-          <p:cNvPr id="6" name="TextBox 5"/>
-          <p:cNvSpPr txBox="1"/>
-          <p:nvPr/>
-        </p:nvSpPr>
-        <p:spPr>
-          <a:xfrm>
-            <a:off x="7634532" y="2235607"/>
-            <a:ext cx="387504" cy="584776"/>
-          </a:xfrm>
-          <a:prstGeom prst="rect">
-            <a:avLst/>
-          </a:prstGeom>
-          <a:noFill/>
-        </p:spPr>
-        <p:txBody>
-          <a:bodyPr wrap="square" rtlCol="0">
-            <a:spAutoFit/>
-          </a:bodyPr>
-          <a:lstStyle/>
-          <a:p>
-            <a:r>
-              <a:rPr lang="en-US" sz="3200" dirty="0" smtClean="0"/>
-              <a:t>-</a:t>
-            </a:r>
-            <a:endParaRPr lang="en-US" sz="3200" dirty="0"/>
-          </a:p>
-        </p:txBody>
-      </p:sp>
-      <p:sp>
-        <p:nvSpPr>
-          <p:cNvPr id="7" name="TextBox 6"/>
-          <p:cNvSpPr txBox="1"/>
-          <p:nvPr/>
-        </p:nvSpPr>
-        <p:spPr>
-          <a:xfrm>
-            <a:off x="3950379" y="2398079"/>
-            <a:ext cx="2131267" cy="584776"/>
-          </a:xfrm>
-          <a:prstGeom prst="rect">
-            <a:avLst/>
-          </a:prstGeom>
-          <a:noFill/>
-        </p:spPr>
-        <p:txBody>
-          <a:bodyPr wrap="square" rtlCol="0">
-            <a:spAutoFit/>
-          </a:bodyPr>
-          <a:lstStyle/>
-          <a:p>
-            <a:r>
-              <a:rPr lang="en-US" sz="3200" dirty="0" smtClean="0"/>
-              <a:t>DURACEL</a:t>
-            </a:r>
-            <a:endParaRPr lang="en-US" sz="3200" dirty="0"/>
-          </a:p>
-        </p:txBody>
-      </p:sp>
-      <p:sp>
-        <p:nvSpPr>
-          <p:cNvPr id="8" name="TextBox 7"/>
-          <p:cNvSpPr txBox="1"/>
-          <p:nvPr/>
-        </p:nvSpPr>
-        <p:spPr>
-          <a:xfrm>
-            <a:off x="7184780" y="4299362"/>
-            <a:ext cx="678130" cy="584776"/>
-          </a:xfrm>
-          <a:prstGeom prst="rect">
-            <a:avLst/>
-          </a:prstGeom>
-          <a:noFill/>
-        </p:spPr>
-        <p:txBody>
-          <a:bodyPr wrap="square" rtlCol="0">
-            <a:spAutoFit/>
-          </a:bodyPr>
-          <a:lstStyle/>
-          <a:p>
-            <a:r>
-              <a:rPr lang="en-US" sz="3200" dirty="0" smtClean="0"/>
-              <a:t>Zn</a:t>
-            </a:r>
-            <a:endParaRPr lang="en-US" sz="3200" dirty="0"/>
-          </a:p>
-        </p:txBody>
-      </p:sp>
-      <p:sp>
-        <p:nvSpPr>
-          <p:cNvPr id="9" name="TextBox 8"/>
-          <p:cNvSpPr txBox="1"/>
-          <p:nvPr/>
-        </p:nvSpPr>
-        <p:spPr>
-          <a:xfrm>
-            <a:off x="7535507" y="3714586"/>
-            <a:ext cx="678130" cy="584776"/>
-          </a:xfrm>
-          <a:prstGeom prst="rect">
-            <a:avLst/>
-          </a:prstGeom>
-          <a:noFill/>
-        </p:spPr>
-        <p:txBody>
-          <a:bodyPr wrap="square" rtlCol="0">
-            <a:spAutoFit/>
-          </a:bodyPr>
-          <a:lstStyle/>
-          <a:p>
-            <a:r>
-              <a:rPr lang="en-US" sz="3200" dirty="0" smtClean="0"/>
-              <a:t>Zn</a:t>
-            </a:r>
-            <a:endParaRPr lang="en-US" sz="3200" dirty="0"/>
-          </a:p>
-        </p:txBody>
-      </p:sp>
-      <p:sp>
-        <p:nvSpPr>
-          <p:cNvPr id="10" name="TextBox 9"/>
-          <p:cNvSpPr txBox="1"/>
-          <p:nvPr/>
-        </p:nvSpPr>
-        <p:spPr>
-          <a:xfrm>
-            <a:off x="6857377" y="3312738"/>
-            <a:ext cx="678130" cy="584776"/>
-          </a:xfrm>
-          <a:prstGeom prst="rect">
-            <a:avLst/>
-          </a:prstGeom>
-          <a:noFill/>
-        </p:spPr>
-        <p:txBody>
-          <a:bodyPr wrap="square" rtlCol="0">
-            <a:spAutoFit/>
-          </a:bodyPr>
-          <a:lstStyle/>
-          <a:p>
-            <a:r>
-              <a:rPr lang="en-US" sz="3200" dirty="0" smtClean="0"/>
-              <a:t>Zn</a:t>
-            </a:r>
-            <a:endParaRPr lang="en-US" sz="3200" dirty="0"/>
-          </a:p>
-        </p:txBody>
-      </p:sp>
-      <p:sp>
-        <p:nvSpPr>
-          <p:cNvPr id="11" name="TextBox 10"/>
-          <p:cNvSpPr txBox="1"/>
-          <p:nvPr/>
-        </p:nvSpPr>
-        <p:spPr>
-          <a:xfrm>
-            <a:off x="6880072" y="5052585"/>
-            <a:ext cx="678130" cy="584776"/>
-          </a:xfrm>
-          <a:prstGeom prst="rect">
-            <a:avLst/>
-          </a:prstGeom>
-          <a:noFill/>
-        </p:spPr>
-        <p:txBody>
-          <a:bodyPr wrap="square" rtlCol="0">
-            <a:spAutoFit/>
-          </a:bodyPr>
-          <a:lstStyle/>
-          <a:p>
-            <a:r>
-              <a:rPr lang="en-US" sz="3200" dirty="0" smtClean="0"/>
-              <a:t>Zn</a:t>
-            </a:r>
-            <a:endParaRPr lang="en-US" sz="3200" dirty="0"/>
-          </a:p>
-        </p:txBody>
-      </p:sp>
-      <p:sp>
-        <p:nvSpPr>
-          <p:cNvPr id="12" name="TextBox 11"/>
-          <p:cNvSpPr txBox="1"/>
-          <p:nvPr/>
-        </p:nvSpPr>
-        <p:spPr>
-          <a:xfrm>
-            <a:off x="7219137" y="2744009"/>
-            <a:ext cx="678130" cy="584776"/>
-          </a:xfrm>
-          <a:prstGeom prst="rect">
-            <a:avLst/>
-          </a:prstGeom>
-          <a:noFill/>
-        </p:spPr>
-        <p:txBody>
-          <a:bodyPr wrap="square" rtlCol="0">
-            <a:spAutoFit/>
-          </a:bodyPr>
-          <a:lstStyle/>
-          <a:p>
-            <a:r>
-              <a:rPr lang="en-US" sz="3200" dirty="0" smtClean="0"/>
-              <a:t>Zn</a:t>
-            </a:r>
-            <a:endParaRPr lang="en-US" sz="3200" dirty="0"/>
-          </a:p>
-        </p:txBody>
-      </p:sp>
-      <p:sp>
-        <p:nvSpPr>
-          <p:cNvPr id="13" name="TextBox 12"/>
-          <p:cNvSpPr txBox="1"/>
-          <p:nvPr/>
-        </p:nvSpPr>
-        <p:spPr>
-          <a:xfrm>
-            <a:off x="1927919" y="3363026"/>
-            <a:ext cx="678130" cy="584776"/>
-          </a:xfrm>
-          <a:prstGeom prst="rect">
-            <a:avLst/>
-          </a:prstGeom>
-          <a:noFill/>
-        </p:spPr>
-        <p:txBody>
-          <a:bodyPr wrap="square" rtlCol="0">
-            <a:spAutoFit/>
-          </a:bodyPr>
-          <a:lstStyle/>
-          <a:p>
-            <a:r>
-              <a:rPr lang="en-US" sz="3200" dirty="0" smtClean="0"/>
-              <a:t>Cu</a:t>
-            </a:r>
-            <a:endParaRPr lang="en-US" sz="3200" dirty="0"/>
-          </a:p>
-        </p:txBody>
-      </p:sp>
-      <p:sp>
-        <p:nvSpPr>
-          <p:cNvPr id="15" name="TextBox 14"/>
-          <p:cNvSpPr txBox="1"/>
-          <p:nvPr/>
-        </p:nvSpPr>
-        <p:spPr>
-          <a:xfrm>
-            <a:off x="1976358" y="4358320"/>
-            <a:ext cx="678130" cy="584776"/>
-          </a:xfrm>
-          <a:prstGeom prst="rect">
-            <a:avLst/>
-          </a:prstGeom>
-          <a:noFill/>
-        </p:spPr>
-        <p:txBody>
-          <a:bodyPr wrap="square" rtlCol="0">
-            <a:spAutoFit/>
-          </a:bodyPr>
-          <a:lstStyle/>
-          <a:p>
-            <a:r>
-              <a:rPr lang="en-US" sz="3200" dirty="0" smtClean="0"/>
-              <a:t>Cu</a:t>
-            </a:r>
-            <a:endParaRPr lang="en-US" sz="3200" dirty="0"/>
-          </a:p>
-        </p:txBody>
-      </p:sp>
-      <p:sp>
-        <p:nvSpPr>
-          <p:cNvPr id="16" name="TextBox 15"/>
-          <p:cNvSpPr txBox="1"/>
-          <p:nvPr/>
-        </p:nvSpPr>
-        <p:spPr>
-          <a:xfrm>
-            <a:off x="1661691" y="5143912"/>
-            <a:ext cx="678130" cy="584776"/>
-          </a:xfrm>
-          <a:prstGeom prst="rect">
-            <a:avLst/>
-          </a:prstGeom>
-          <a:noFill/>
-        </p:spPr>
-        <p:txBody>
-          <a:bodyPr wrap="square" rtlCol="0">
-            <a:spAutoFit/>
-          </a:bodyPr>
-          <a:lstStyle/>
-          <a:p>
-            <a:r>
-              <a:rPr lang="en-US" sz="3200" dirty="0" smtClean="0"/>
-              <a:t>Cu</a:t>
-            </a:r>
-            <a:endParaRPr lang="en-US" sz="3200" dirty="0"/>
-          </a:p>
-        </p:txBody>
-      </p:sp>
-      <p:sp>
-        <p:nvSpPr>
-          <p:cNvPr id="17" name="TextBox 16"/>
-          <p:cNvSpPr txBox="1"/>
-          <p:nvPr/>
-        </p:nvSpPr>
-        <p:spPr>
-          <a:xfrm>
-            <a:off x="1927919" y="2755007"/>
-            <a:ext cx="678130" cy="584776"/>
-          </a:xfrm>
-          <a:prstGeom prst="rect">
-            <a:avLst/>
-          </a:prstGeom>
-          <a:noFill/>
-        </p:spPr>
-        <p:txBody>
-          <a:bodyPr wrap="square" rtlCol="0">
-            <a:spAutoFit/>
-          </a:bodyPr>
-          <a:lstStyle/>
-          <a:p>
-            <a:r>
-              <a:rPr lang="en-US" sz="3200" dirty="0" smtClean="0"/>
-              <a:t>Cu</a:t>
-            </a:r>
-            <a:endParaRPr lang="en-US" sz="3200" dirty="0"/>
-          </a:p>
-        </p:txBody>
-      </p:sp>
-      <p:sp>
-        <p:nvSpPr>
-          <p:cNvPr id="18" name="TextBox 17"/>
-          <p:cNvSpPr txBox="1"/>
-          <p:nvPr/>
-        </p:nvSpPr>
-        <p:spPr>
-          <a:xfrm>
-            <a:off x="2266984" y="3947802"/>
-            <a:ext cx="678130" cy="584776"/>
-          </a:xfrm>
-          <a:prstGeom prst="rect">
-            <a:avLst/>
-          </a:prstGeom>
-          <a:noFill/>
-        </p:spPr>
-        <p:txBody>
-          <a:bodyPr wrap="square" rtlCol="0">
-            <a:spAutoFit/>
-          </a:bodyPr>
-          <a:lstStyle/>
-          <a:p>
-            <a:r>
-              <a:rPr lang="en-US" sz="3200" dirty="0" smtClean="0"/>
-              <a:t>Cu</a:t>
-            </a:r>
-            <a:endParaRPr lang="en-US" sz="3200" dirty="0"/>
-          </a:p>
-        </p:txBody>
-      </p:sp>
-      <p:sp>
-        <p:nvSpPr>
-          <p:cNvPr id="19" name="TextBox 18"/>
-          <p:cNvSpPr txBox="1"/>
-          <p:nvPr/>
-        </p:nvSpPr>
-        <p:spPr>
-          <a:xfrm>
-            <a:off x="1162509" y="1417638"/>
-            <a:ext cx="2583355" cy="646331"/>
-          </a:xfrm>
-          <a:prstGeom prst="rect">
-            <a:avLst/>
-          </a:prstGeom>
-          <a:noFill/>
-        </p:spPr>
-        <p:txBody>
-          <a:bodyPr wrap="square" rtlCol="0">
-            <a:spAutoFit/>
-          </a:bodyPr>
-          <a:lstStyle/>
-          <a:p>
-            <a:r>
-              <a:rPr lang="en-US" dirty="0" smtClean="0"/>
-              <a:t>A chemical that accepts electrons in a reaction</a:t>
-            </a:r>
-            <a:endParaRPr lang="en-US" dirty="0"/>
-          </a:p>
-        </p:txBody>
-      </p:sp>
-      <p:sp>
-        <p:nvSpPr>
-          <p:cNvPr id="20" name="TextBox 19"/>
-          <p:cNvSpPr txBox="1"/>
-          <p:nvPr/>
-        </p:nvSpPr>
-        <p:spPr>
-          <a:xfrm>
-            <a:off x="5683382" y="1428236"/>
-            <a:ext cx="3460618" cy="646331"/>
-          </a:xfrm>
-          <a:prstGeom prst="rect">
-            <a:avLst/>
-          </a:prstGeom>
-          <a:noFill/>
-        </p:spPr>
-        <p:txBody>
-          <a:bodyPr wrap="square" rtlCol="0">
-            <a:spAutoFit/>
-          </a:bodyPr>
-          <a:lstStyle/>
-          <a:p>
-            <a:r>
-              <a:rPr lang="en-US" dirty="0" smtClean="0"/>
-              <a:t>A chemical that gives up electrons in a chemical reaction</a:t>
-            </a:r>
-            <a:endParaRPr lang="en-US" dirty="0"/>
-          </a:p>
-        </p:txBody>
-      </p:sp>
-    </p:spTree>
-    <p:extLst>
-      <p:ext uri="{BB962C8B-B14F-4D97-AF65-F5344CB8AC3E}">
-        <p14:creationId xmlns:p14="http://schemas.microsoft.com/office/powerpoint/2010/main" val="491976243"/>
-      </p:ext>
-    </p:extLst>
-  </p:cSld>
-  <p:clrMapOvr>
-    <a:masterClrMapping/>
-  </p:clrMapOvr>
-  <p:timing>
-    <p:tnLst>
-      <p:par>
-        <p:cTn xmlns:p14="http://schemas.microsoft.com/office/powerpoint/2010/main" id="1" dur="indefinite" restart="never" nodeType="tmRoot"/>
-      </p:par>
-    </p:tnLst>
-  </p:timing>
-</p:sld>
-</file>
-
 <file path=ppt/slides/slide24.xml><?xml version="1.0" encoding="utf-8"?>
 <p:sld xmlns:a="http://schemas.openxmlformats.org/drawingml/2006/main" xmlns:r="http://schemas.openxmlformats.org/officeDocument/2006/relationships" xmlns:p="http://schemas.openxmlformats.org/presentationml/2006/main">
   <p:cSld>
@@ -7384,7 +7351,7 @@
           <a:p>
             <a:r>
               <a:rPr lang="en-US" dirty="0" smtClean="0"/>
-              <a:t>Some vocabulary</a:t>
+              <a:t>How a battery actually works:</a:t>
             </a:r>
             <a:endParaRPr lang="en-US" dirty="0"/>
           </a:p>
@@ -7392,48 +7359,493 @@
       </p:sp>
       <p:sp>
         <p:nvSpPr>
-          <p:cNvPr id="3" name="Content Placeholder 2"/>
-          <p:cNvSpPr>
-            <a:spLocks noGrp="1"/>
-          </p:cNvSpPr>
-          <p:nvPr>
-            <p:ph idx="1"/>
-          </p:nvPr>
-        </p:nvSpPr>
-        <p:spPr/>
-        <p:txBody>
-          <a:bodyPr>
-            <a:normAutofit lnSpcReduction="10000"/>
+          <p:cNvPr id="4" name="Can 3"/>
+          <p:cNvSpPr/>
+          <p:nvPr/>
+        </p:nvSpPr>
+        <p:spPr>
+          <a:xfrm rot="16200000" flipH="1">
+            <a:off x="2522676" y="88480"/>
+            <a:ext cx="3875032" cy="7847208"/>
+          </a:xfrm>
+          <a:prstGeom prst="can">
+            <a:avLst/>
+          </a:prstGeom>
+          <a:noFill/>
+          <a:ln w="28575" cmpd="sng">
+            <a:solidFill>
+              <a:schemeClr val="tx1"/>
+            </a:solidFill>
+          </a:ln>
+          <a:effectLst/>
+        </p:spPr>
+        <p:style>
+          <a:lnRef idx="1">
+            <a:schemeClr val="accent1"/>
+          </a:lnRef>
+          <a:fillRef idx="3">
+            <a:schemeClr val="accent1"/>
+          </a:fillRef>
+          <a:effectRef idx="2">
+            <a:schemeClr val="accent1"/>
+          </a:effectRef>
+          <a:fontRef idx="minor">
+            <a:schemeClr val="lt1"/>
+          </a:fontRef>
+        </p:style>
+        <p:txBody>
+          <a:bodyPr rtlCol="0" anchor="ctr"/>
+          <a:lstStyle/>
+          <a:p>
+            <a:pPr algn="ctr"/>
+            <a:endParaRPr lang="en-US"/>
+          </a:p>
+        </p:txBody>
+      </p:sp>
+      <p:sp>
+        <p:nvSpPr>
+          <p:cNvPr id="5" name="TextBox 4"/>
+          <p:cNvSpPr txBox="1"/>
+          <p:nvPr/>
+        </p:nvSpPr>
+        <p:spPr>
+          <a:xfrm>
+            <a:off x="1927919" y="2234513"/>
+            <a:ext cx="387504" cy="584776"/>
+          </a:xfrm>
+          <a:prstGeom prst="rect">
+            <a:avLst/>
+          </a:prstGeom>
+          <a:noFill/>
+        </p:spPr>
+        <p:txBody>
+          <a:bodyPr wrap="square" rtlCol="0">
+            <a:spAutoFit/>
           </a:bodyPr>
           <a:lstStyle/>
           <a:p>
             <a:r>
+              <a:rPr lang="en-US" sz="3200" dirty="0"/>
+              <a:t>+</a:t>
+            </a:r>
+          </a:p>
+        </p:txBody>
+      </p:sp>
+      <p:sp>
+        <p:nvSpPr>
+          <p:cNvPr id="6" name="TextBox 5"/>
+          <p:cNvSpPr txBox="1"/>
+          <p:nvPr/>
+        </p:nvSpPr>
+        <p:spPr>
+          <a:xfrm>
+            <a:off x="7634532" y="2235607"/>
+            <a:ext cx="387504" cy="584776"/>
+          </a:xfrm>
+          <a:prstGeom prst="rect">
+            <a:avLst/>
+          </a:prstGeom>
+          <a:noFill/>
+        </p:spPr>
+        <p:txBody>
+          <a:bodyPr wrap="square" rtlCol="0">
+            <a:spAutoFit/>
+          </a:bodyPr>
+          <a:lstStyle/>
+          <a:p>
+            <a:r>
+              <a:rPr lang="en-US" sz="3200" dirty="0" smtClean="0"/>
+              <a:t>-</a:t>
+            </a:r>
+            <a:endParaRPr lang="en-US" sz="3200" dirty="0"/>
+          </a:p>
+        </p:txBody>
+      </p:sp>
+      <p:sp>
+        <p:nvSpPr>
+          <p:cNvPr id="7" name="TextBox 6"/>
+          <p:cNvSpPr txBox="1"/>
+          <p:nvPr/>
+        </p:nvSpPr>
+        <p:spPr>
+          <a:xfrm>
+            <a:off x="3950379" y="2398079"/>
+            <a:ext cx="2131267" cy="584776"/>
+          </a:xfrm>
+          <a:prstGeom prst="rect">
+            <a:avLst/>
+          </a:prstGeom>
+          <a:noFill/>
+        </p:spPr>
+        <p:txBody>
+          <a:bodyPr wrap="square" rtlCol="0">
+            <a:spAutoFit/>
+          </a:bodyPr>
+          <a:lstStyle/>
+          <a:p>
+            <a:r>
+              <a:rPr lang="en-US" sz="3200" dirty="0" smtClean="0"/>
+              <a:t>DURACEL</a:t>
+            </a:r>
+            <a:endParaRPr lang="en-US" sz="3200" dirty="0"/>
+          </a:p>
+        </p:txBody>
+      </p:sp>
+      <p:sp>
+        <p:nvSpPr>
+          <p:cNvPr id="8" name="TextBox 7"/>
+          <p:cNvSpPr txBox="1"/>
+          <p:nvPr/>
+        </p:nvSpPr>
+        <p:spPr>
+          <a:xfrm>
+            <a:off x="7184780" y="4299362"/>
+            <a:ext cx="678130" cy="584776"/>
+          </a:xfrm>
+          <a:prstGeom prst="rect">
+            <a:avLst/>
+          </a:prstGeom>
+          <a:noFill/>
+        </p:spPr>
+        <p:txBody>
+          <a:bodyPr wrap="square" rtlCol="0">
+            <a:spAutoFit/>
+          </a:bodyPr>
+          <a:lstStyle/>
+          <a:p>
+            <a:r>
+              <a:rPr lang="en-US" sz="3200" dirty="0" smtClean="0"/>
+              <a:t>Zn</a:t>
+            </a:r>
+            <a:endParaRPr lang="en-US" sz="3200" dirty="0"/>
+          </a:p>
+        </p:txBody>
+      </p:sp>
+      <p:sp>
+        <p:nvSpPr>
+          <p:cNvPr id="9" name="TextBox 8"/>
+          <p:cNvSpPr txBox="1"/>
+          <p:nvPr/>
+        </p:nvSpPr>
+        <p:spPr>
+          <a:xfrm>
+            <a:off x="7535507" y="3714586"/>
+            <a:ext cx="678130" cy="584776"/>
+          </a:xfrm>
+          <a:prstGeom prst="rect">
+            <a:avLst/>
+          </a:prstGeom>
+          <a:noFill/>
+        </p:spPr>
+        <p:txBody>
+          <a:bodyPr wrap="square" rtlCol="0">
+            <a:spAutoFit/>
+          </a:bodyPr>
+          <a:lstStyle/>
+          <a:p>
+            <a:r>
+              <a:rPr lang="en-US" sz="3200" dirty="0" smtClean="0"/>
+              <a:t>Zn</a:t>
+            </a:r>
+            <a:endParaRPr lang="en-US" sz="3200" dirty="0"/>
+          </a:p>
+        </p:txBody>
+      </p:sp>
+      <p:sp>
+        <p:nvSpPr>
+          <p:cNvPr id="10" name="TextBox 9"/>
+          <p:cNvSpPr txBox="1"/>
+          <p:nvPr/>
+        </p:nvSpPr>
+        <p:spPr>
+          <a:xfrm>
+            <a:off x="6857377" y="3312738"/>
+            <a:ext cx="678130" cy="584776"/>
+          </a:xfrm>
+          <a:prstGeom prst="rect">
+            <a:avLst/>
+          </a:prstGeom>
+          <a:noFill/>
+        </p:spPr>
+        <p:txBody>
+          <a:bodyPr wrap="square" rtlCol="0">
+            <a:spAutoFit/>
+          </a:bodyPr>
+          <a:lstStyle/>
+          <a:p>
+            <a:r>
+              <a:rPr lang="en-US" sz="3200" dirty="0" smtClean="0"/>
+              <a:t>Zn</a:t>
+            </a:r>
+            <a:endParaRPr lang="en-US" sz="3200" dirty="0"/>
+          </a:p>
+        </p:txBody>
+      </p:sp>
+      <p:sp>
+        <p:nvSpPr>
+          <p:cNvPr id="11" name="TextBox 10"/>
+          <p:cNvSpPr txBox="1"/>
+          <p:nvPr/>
+        </p:nvSpPr>
+        <p:spPr>
+          <a:xfrm>
+            <a:off x="6880072" y="5052585"/>
+            <a:ext cx="678130" cy="584776"/>
+          </a:xfrm>
+          <a:prstGeom prst="rect">
+            <a:avLst/>
+          </a:prstGeom>
+          <a:noFill/>
+        </p:spPr>
+        <p:txBody>
+          <a:bodyPr wrap="square" rtlCol="0">
+            <a:spAutoFit/>
+          </a:bodyPr>
+          <a:lstStyle/>
+          <a:p>
+            <a:r>
+              <a:rPr lang="en-US" sz="3200" dirty="0" smtClean="0"/>
+              <a:t>Zn</a:t>
+            </a:r>
+            <a:endParaRPr lang="en-US" sz="3200" dirty="0"/>
+          </a:p>
+        </p:txBody>
+      </p:sp>
+      <p:sp>
+        <p:nvSpPr>
+          <p:cNvPr id="12" name="TextBox 11"/>
+          <p:cNvSpPr txBox="1"/>
+          <p:nvPr/>
+        </p:nvSpPr>
+        <p:spPr>
+          <a:xfrm>
+            <a:off x="7219137" y="2744009"/>
+            <a:ext cx="678130" cy="584776"/>
+          </a:xfrm>
+          <a:prstGeom prst="rect">
+            <a:avLst/>
+          </a:prstGeom>
+          <a:noFill/>
+        </p:spPr>
+        <p:txBody>
+          <a:bodyPr wrap="square" rtlCol="0">
+            <a:spAutoFit/>
+          </a:bodyPr>
+          <a:lstStyle/>
+          <a:p>
+            <a:r>
+              <a:rPr lang="en-US" sz="3200" dirty="0" smtClean="0"/>
+              <a:t>Zn</a:t>
+            </a:r>
+            <a:endParaRPr lang="en-US" sz="3200" dirty="0"/>
+          </a:p>
+        </p:txBody>
+      </p:sp>
+      <p:sp>
+        <p:nvSpPr>
+          <p:cNvPr id="13" name="TextBox 12"/>
+          <p:cNvSpPr txBox="1"/>
+          <p:nvPr/>
+        </p:nvSpPr>
+        <p:spPr>
+          <a:xfrm>
+            <a:off x="1927919" y="3363026"/>
+            <a:ext cx="678130" cy="584776"/>
+          </a:xfrm>
+          <a:prstGeom prst="rect">
+            <a:avLst/>
+          </a:prstGeom>
+          <a:noFill/>
+        </p:spPr>
+        <p:txBody>
+          <a:bodyPr wrap="square" rtlCol="0">
+            <a:spAutoFit/>
+          </a:bodyPr>
+          <a:lstStyle/>
+          <a:p>
+            <a:r>
+              <a:rPr lang="en-US" sz="3200" dirty="0" smtClean="0"/>
+              <a:t>Cu</a:t>
+            </a:r>
+            <a:endParaRPr lang="en-US" sz="3200" dirty="0"/>
+          </a:p>
+        </p:txBody>
+      </p:sp>
+      <p:sp>
+        <p:nvSpPr>
+          <p:cNvPr id="15" name="TextBox 14"/>
+          <p:cNvSpPr txBox="1"/>
+          <p:nvPr/>
+        </p:nvSpPr>
+        <p:spPr>
+          <a:xfrm>
+            <a:off x="1976358" y="4358320"/>
+            <a:ext cx="678130" cy="584776"/>
+          </a:xfrm>
+          <a:prstGeom prst="rect">
+            <a:avLst/>
+          </a:prstGeom>
+          <a:noFill/>
+        </p:spPr>
+        <p:txBody>
+          <a:bodyPr wrap="square" rtlCol="0">
+            <a:spAutoFit/>
+          </a:bodyPr>
+          <a:lstStyle/>
+          <a:p>
+            <a:r>
+              <a:rPr lang="en-US" sz="3200" dirty="0" smtClean="0"/>
+              <a:t>Cu</a:t>
+            </a:r>
+            <a:endParaRPr lang="en-US" sz="3200" dirty="0"/>
+          </a:p>
+        </p:txBody>
+      </p:sp>
+      <p:sp>
+        <p:nvSpPr>
+          <p:cNvPr id="16" name="TextBox 15"/>
+          <p:cNvSpPr txBox="1"/>
+          <p:nvPr/>
+        </p:nvSpPr>
+        <p:spPr>
+          <a:xfrm>
+            <a:off x="1661691" y="5143912"/>
+            <a:ext cx="678130" cy="584776"/>
+          </a:xfrm>
+          <a:prstGeom prst="rect">
+            <a:avLst/>
+          </a:prstGeom>
+          <a:noFill/>
+        </p:spPr>
+        <p:txBody>
+          <a:bodyPr wrap="square" rtlCol="0">
+            <a:spAutoFit/>
+          </a:bodyPr>
+          <a:lstStyle/>
+          <a:p>
+            <a:r>
+              <a:rPr lang="en-US" sz="3200" dirty="0" smtClean="0"/>
+              <a:t>Cu</a:t>
+            </a:r>
+            <a:endParaRPr lang="en-US" sz="3200" dirty="0"/>
+          </a:p>
+        </p:txBody>
+      </p:sp>
+      <p:sp>
+        <p:nvSpPr>
+          <p:cNvPr id="17" name="TextBox 16"/>
+          <p:cNvSpPr txBox="1"/>
+          <p:nvPr/>
+        </p:nvSpPr>
+        <p:spPr>
+          <a:xfrm>
+            <a:off x="1927919" y="2755007"/>
+            <a:ext cx="678130" cy="584776"/>
+          </a:xfrm>
+          <a:prstGeom prst="rect">
+            <a:avLst/>
+          </a:prstGeom>
+          <a:noFill/>
+        </p:spPr>
+        <p:txBody>
+          <a:bodyPr wrap="square" rtlCol="0">
+            <a:spAutoFit/>
+          </a:bodyPr>
+          <a:lstStyle/>
+          <a:p>
+            <a:r>
+              <a:rPr lang="en-US" sz="3200" dirty="0" smtClean="0"/>
+              <a:t>Cu</a:t>
+            </a:r>
+            <a:endParaRPr lang="en-US" sz="3200" dirty="0"/>
+          </a:p>
+        </p:txBody>
+      </p:sp>
+      <p:sp>
+        <p:nvSpPr>
+          <p:cNvPr id="18" name="TextBox 17"/>
+          <p:cNvSpPr txBox="1"/>
+          <p:nvPr/>
+        </p:nvSpPr>
+        <p:spPr>
+          <a:xfrm>
+            <a:off x="2266984" y="3947802"/>
+            <a:ext cx="678130" cy="584776"/>
+          </a:xfrm>
+          <a:prstGeom prst="rect">
+            <a:avLst/>
+          </a:prstGeom>
+          <a:noFill/>
+        </p:spPr>
+        <p:txBody>
+          <a:bodyPr wrap="square" rtlCol="0">
+            <a:spAutoFit/>
+          </a:bodyPr>
+          <a:lstStyle/>
+          <a:p>
+            <a:r>
+              <a:rPr lang="en-US" sz="3200" dirty="0" smtClean="0"/>
+              <a:t>Cu</a:t>
+            </a:r>
+            <a:endParaRPr lang="en-US" sz="3200" dirty="0"/>
+          </a:p>
+        </p:txBody>
+      </p:sp>
+      <p:sp>
+        <p:nvSpPr>
+          <p:cNvPr id="19" name="TextBox 18"/>
+          <p:cNvSpPr txBox="1"/>
+          <p:nvPr/>
+        </p:nvSpPr>
+        <p:spPr>
+          <a:xfrm>
+            <a:off x="1162509" y="1417638"/>
+            <a:ext cx="2583355" cy="646331"/>
+          </a:xfrm>
+          <a:prstGeom prst="rect">
+            <a:avLst/>
+          </a:prstGeom>
+          <a:noFill/>
+        </p:spPr>
+        <p:txBody>
+          <a:bodyPr wrap="square" rtlCol="0">
+            <a:spAutoFit/>
+          </a:bodyPr>
+          <a:lstStyle/>
+          <a:p>
+            <a:r>
               <a:rPr lang="en-US" dirty="0" smtClean="0"/>
-              <a:t>Cathode: The chemical that accepts electrons (on the positive end)</a:t>
-            </a:r>
-          </a:p>
+              <a:t>A chemical that accepts electrons in a reaction</a:t>
+            </a:r>
+            <a:endParaRPr lang="en-US" dirty="0"/>
+          </a:p>
+        </p:txBody>
+      </p:sp>
+      <p:sp>
+        <p:nvSpPr>
+          <p:cNvPr id="20" name="TextBox 19"/>
+          <p:cNvSpPr txBox="1"/>
+          <p:nvPr/>
+        </p:nvSpPr>
+        <p:spPr>
+          <a:xfrm>
+            <a:off x="5683382" y="1428236"/>
+            <a:ext cx="3460618" cy="646331"/>
+          </a:xfrm>
+          <a:prstGeom prst="rect">
+            <a:avLst/>
+          </a:prstGeom>
+          <a:noFill/>
+        </p:spPr>
+        <p:txBody>
+          <a:bodyPr wrap="square" rtlCol="0">
+            <a:spAutoFit/>
+          </a:bodyPr>
+          <a:lstStyle/>
           <a:p>
             <a:r>
               <a:rPr lang="en-US" dirty="0" smtClean="0"/>
-              <a:t>Anode: the chemical that gives up electrons (on the negative end)</a:t>
-            </a:r>
-          </a:p>
-          <a:p>
-            <a:r>
-              <a:rPr lang="en-US" dirty="0" smtClean="0"/>
-              <a:t>Electrodes: The anode and cathode</a:t>
-            </a:r>
-          </a:p>
-          <a:p>
-            <a:r>
-              <a:rPr lang="en-US" dirty="0" smtClean="0"/>
-              <a:t>Oxidation: Losing electrons in a chemical reaction (at the anode)</a:t>
-            </a:r>
-          </a:p>
-          <a:p>
-            <a:r>
-              <a:rPr lang="en-US" dirty="0" smtClean="0"/>
-              <a:t>Reduction: Gaining electrons in a chemical reaction (at the cathode)</a:t>
+              <a:t>A chemical that gives up electrons in a chemical reaction</a:t>
             </a:r>
             <a:endParaRPr lang="en-US" dirty="0"/>
           </a:p>
@@ -7442,7 +7854,7 @@
     </p:spTree>
     <p:extLst>
       <p:ext uri="{BB962C8B-B14F-4D97-AF65-F5344CB8AC3E}">
-        <p14:creationId xmlns:p14="http://schemas.microsoft.com/office/powerpoint/2010/main" val="2680555396"/>
+        <p14:creationId xmlns:p14="http://schemas.microsoft.com/office/powerpoint/2010/main" val="491976243"/>
       </p:ext>
     </p:extLst>
   </p:cSld>
@@ -7493,7 +7905,7 @@
           <a:p>
             <a:r>
               <a:rPr lang="en-US" dirty="0" smtClean="0"/>
-              <a:t>The expectation</a:t>
+              <a:t>Some vocabulary</a:t>
             </a:r>
             <a:endParaRPr lang="en-US" dirty="0"/>
           </a:p>
@@ -7511,21 +7923,38 @@
         </p:nvSpPr>
         <p:spPr/>
         <p:txBody>
-          <a:bodyPr/>
+          <a:bodyPr>
+            <a:normAutofit lnSpcReduction="10000"/>
+          </a:bodyPr>
           <a:lstStyle/>
           <a:p>
             <a:r>
               <a:rPr lang="en-US" dirty="0" smtClean="0"/>
-              <a:t>On a test, it will not be enough to say what the right answer is</a:t>
-            </a:r>
-          </a:p>
-          <a:p>
-            <a:endParaRPr lang="en-US" dirty="0"/>
+              <a:t>Cathode: The chemical that accepts electrons (on the positive end)</a:t>
+            </a:r>
           </a:p>
           <a:p>
             <a:r>
               <a:rPr lang="en-US" dirty="0" smtClean="0"/>
-              <a:t>You also need to say why the wrong answer couldn’t possibly be true!</a:t>
+              <a:t>Anode: the chemical that gives up electrons (on the negative end)</a:t>
+            </a:r>
+          </a:p>
+          <a:p>
+            <a:r>
+              <a:rPr lang="en-US" dirty="0" smtClean="0"/>
+              <a:t>Electrodes: The anode and cathode</a:t>
+            </a:r>
+          </a:p>
+          <a:p>
+            <a:r>
+              <a:rPr lang="en-US" dirty="0" smtClean="0"/>
+              <a:t>Oxidation: Losing electrons in a chemical reaction (at the anode)</a:t>
+            </a:r>
+          </a:p>
+          <a:p>
+            <a:r>
+              <a:rPr lang="en-US" dirty="0" smtClean="0"/>
+              <a:t>Reduction: Gaining electrons in a chemical reaction (at the cathode)</a:t>
             </a:r>
             <a:endParaRPr lang="en-US" dirty="0"/>
           </a:p>
@@ -7534,7 +7963,7 @@
     </p:spTree>
     <p:extLst>
       <p:ext uri="{BB962C8B-B14F-4D97-AF65-F5344CB8AC3E}">
-        <p14:creationId xmlns:p14="http://schemas.microsoft.com/office/powerpoint/2010/main" val="2473238186"/>
+        <p14:creationId xmlns:p14="http://schemas.microsoft.com/office/powerpoint/2010/main" val="2680555396"/>
       </p:ext>
     </p:extLst>
   </p:cSld>
@@ -7580,6 +8009,98 @@
         </p:nvSpPr>
         <p:spPr/>
         <p:txBody>
+          <a:bodyPr/>
+          <a:lstStyle/>
+          <a:p>
+            <a:r>
+              <a:rPr lang="en-US" dirty="0" smtClean="0"/>
+              <a:t>The expectation</a:t>
+            </a:r>
+            <a:endParaRPr lang="en-US" dirty="0"/>
+          </a:p>
+        </p:txBody>
+      </p:sp>
+      <p:sp>
+        <p:nvSpPr>
+          <p:cNvPr id="3" name="Content Placeholder 2"/>
+          <p:cNvSpPr>
+            <a:spLocks noGrp="1"/>
+          </p:cNvSpPr>
+          <p:nvPr>
+            <p:ph idx="1"/>
+          </p:nvPr>
+        </p:nvSpPr>
+        <p:spPr/>
+        <p:txBody>
+          <a:bodyPr/>
+          <a:lstStyle/>
+          <a:p>
+            <a:r>
+              <a:rPr lang="en-US" dirty="0" smtClean="0"/>
+              <a:t>On a test, it will not be enough to say what the right answer is</a:t>
+            </a:r>
+          </a:p>
+          <a:p>
+            <a:endParaRPr lang="en-US" dirty="0"/>
+          </a:p>
+          <a:p>
+            <a:r>
+              <a:rPr lang="en-US" dirty="0" smtClean="0"/>
+              <a:t>You also need to say why the wrong answer couldn’t possibly be true!</a:t>
+            </a:r>
+            <a:endParaRPr lang="en-US" dirty="0"/>
+          </a:p>
+        </p:txBody>
+      </p:sp>
+    </p:spTree>
+    <p:extLst>
+      <p:ext uri="{BB962C8B-B14F-4D97-AF65-F5344CB8AC3E}">
+        <p14:creationId xmlns:p14="http://schemas.microsoft.com/office/powerpoint/2010/main" val="2473238186"/>
+      </p:ext>
+    </p:extLst>
+  </p:cSld>
+  <p:clrMapOvr>
+    <a:masterClrMapping/>
+  </p:clrMapOvr>
+  <p:timing>
+    <p:tnLst>
+      <p:par>
+        <p:cTn xmlns:p14="http://schemas.microsoft.com/office/powerpoint/2010/main" id="1" dur="indefinite" restart="never" nodeType="tmRoot"/>
+      </p:par>
+    </p:tnLst>
+  </p:timing>
+</p:sld>
+</file>
+
+<file path=ppt/slides/slide27.xml><?xml version="1.0" encoding="utf-8"?>
+<p:sld xmlns:a="http://schemas.openxmlformats.org/drawingml/2006/main" xmlns:r="http://schemas.openxmlformats.org/officeDocument/2006/relationships" xmlns:p="http://schemas.openxmlformats.org/presentationml/2006/main">
+  <p:cSld>
+    <p:spTree>
+      <p:nvGrpSpPr>
+        <p:cNvPr id="1" name=""/>
+        <p:cNvGrpSpPr/>
+        <p:nvPr/>
+      </p:nvGrpSpPr>
+      <p:grpSpPr>
+        <a:xfrm>
+          <a:off x="0" y="0"/>
+          <a:ext cx="0" cy="0"/>
+          <a:chOff x="0" y="0"/>
+          <a:chExt cx="0" cy="0"/>
+        </a:xfrm>
+      </p:grpSpPr>
+      <p:sp>
+        <p:nvSpPr>
+          <p:cNvPr id="2" name="Title 1"/>
+          <p:cNvSpPr>
+            <a:spLocks noGrp="1"/>
+          </p:cNvSpPr>
+          <p:nvPr>
+            <p:ph type="title"/>
+          </p:nvPr>
+        </p:nvSpPr>
+        <p:spPr/>
+        <p:txBody>
           <a:bodyPr>
             <a:normAutofit fontScale="90000"/>
           </a:bodyPr>
@@ -8574,7 +9095,7 @@
 </p:sld>
 </file>
 
-<file path=ppt/slides/slide27.xml><?xml version="1.0" encoding="utf-8"?>
+<file path=ppt/slides/slide28.xml><?xml version="1.0" encoding="utf-8"?>
 <p:sld xmlns:a="http://schemas.openxmlformats.org/drawingml/2006/main" xmlns:r="http://schemas.openxmlformats.org/officeDocument/2006/relationships" xmlns:p="http://schemas.openxmlformats.org/presentationml/2006/main">
   <p:cSld>
     <p:spTree>
@@ -8876,7 +9397,7 @@
 </p:sld>
 </file>
 
-<file path=ppt/slides/slide28.xml><?xml version="1.0" encoding="utf-8"?>
+<file path=ppt/slides/slide29.xml><?xml version="1.0" encoding="utf-8"?>
 <p:sld xmlns:a="http://schemas.openxmlformats.org/drawingml/2006/main" xmlns:r="http://schemas.openxmlformats.org/officeDocument/2006/relationships" xmlns:p="http://schemas.openxmlformats.org/presentationml/2006/main">
   <p:cSld>
     <p:spTree>
@@ -8971,7 +9492,195 @@
 </p:sld>
 </file>
 
-<file path=ppt/slides/slide29.xml><?xml version="1.0" encoding="utf-8"?>
+<file path=ppt/slides/slide3.xml><?xml version="1.0" encoding="utf-8"?>
+<p:sld xmlns:a="http://schemas.openxmlformats.org/drawingml/2006/main" xmlns:r="http://schemas.openxmlformats.org/officeDocument/2006/relationships" xmlns:p="http://schemas.openxmlformats.org/presentationml/2006/main">
+  <p:cSld>
+    <p:spTree>
+      <p:nvGrpSpPr>
+        <p:cNvPr id="1" name=""/>
+        <p:cNvGrpSpPr/>
+        <p:nvPr/>
+      </p:nvGrpSpPr>
+      <p:grpSpPr>
+        <a:xfrm>
+          <a:off x="0" y="0"/>
+          <a:ext cx="0" cy="0"/>
+          <a:chOff x="0" y="0"/>
+          <a:chExt cx="0" cy="0"/>
+        </a:xfrm>
+      </p:grpSpPr>
+      <p:sp>
+        <p:nvSpPr>
+          <p:cNvPr id="2" name="Title 1"/>
+          <p:cNvSpPr>
+            <a:spLocks noGrp="1"/>
+          </p:cNvSpPr>
+          <p:nvPr>
+            <p:ph type="title"/>
+          </p:nvPr>
+        </p:nvSpPr>
+        <p:spPr>
+          <a:xfrm>
+            <a:off x="457200" y="274638"/>
+            <a:ext cx="8229600" cy="780025"/>
+          </a:xfrm>
+        </p:spPr>
+        <p:txBody>
+          <a:bodyPr/>
+          <a:lstStyle/>
+          <a:p>
+            <a:r>
+              <a:rPr lang="en-US" dirty="0" smtClean="0"/>
+              <a:t>Questions to know how to answer:</a:t>
+            </a:r>
+            <a:endParaRPr lang="en-US" dirty="0"/>
+          </a:p>
+        </p:txBody>
+      </p:sp>
+      <p:sp>
+        <p:nvSpPr>
+          <p:cNvPr id="3" name="Content Placeholder 2"/>
+          <p:cNvSpPr>
+            <a:spLocks noGrp="1"/>
+          </p:cNvSpPr>
+          <p:nvPr>
+            <p:ph idx="1"/>
+          </p:nvPr>
+        </p:nvSpPr>
+        <p:spPr>
+          <a:xfrm>
+            <a:off x="457200" y="1205330"/>
+            <a:ext cx="8229600" cy="4920834"/>
+          </a:xfrm>
+        </p:spPr>
+        <p:txBody>
+          <a:bodyPr>
+            <a:normAutofit fontScale="92500"/>
+          </a:bodyPr>
+          <a:lstStyle/>
+          <a:p>
+            <a:pPr lvl="0"/>
+            <a:r>
+              <a:rPr lang="en-US" dirty="0"/>
+              <a:t>What particle moves around the circuit?</a:t>
+            </a:r>
+          </a:p>
+          <a:p>
+            <a:pPr lvl="0"/>
+            <a:r>
+              <a:rPr lang="en-US" dirty="0"/>
+              <a:t>How fast do electrons move around a circuit?</a:t>
+            </a:r>
+          </a:p>
+          <a:p>
+            <a:pPr lvl="0"/>
+            <a:r>
+              <a:rPr lang="en-US" dirty="0"/>
+              <a:t>How many electrons move at a time around a circuit?</a:t>
+            </a:r>
+          </a:p>
+          <a:p>
+            <a:pPr lvl="0"/>
+            <a:r>
+              <a:rPr lang="en-US" dirty="0"/>
+              <a:t>Where do they come from? How did electrons get into the electric circuit at all? </a:t>
+            </a:r>
+          </a:p>
+          <a:p>
+            <a:pPr lvl="0"/>
+            <a:r>
+              <a:rPr lang="en-US" dirty="0"/>
+              <a:t>Why do the electrons move around the circuit?</a:t>
+            </a:r>
+          </a:p>
+          <a:p>
+            <a:pPr lvl="0"/>
+            <a:r>
+              <a:rPr lang="en-US" dirty="0"/>
+              <a:t>How do they know where do go? Why do </a:t>
+            </a:r>
+            <a:r>
+              <a:rPr lang="en-US" dirty="0" smtClean="0"/>
+              <a:t>they move </a:t>
+            </a:r>
+            <a:r>
+              <a:rPr lang="en-US" dirty="0"/>
+              <a:t>only through a wire, and not anything else</a:t>
+            </a:r>
+            <a:r>
+              <a:rPr lang="en-US" dirty="0" smtClean="0"/>
+              <a:t>?</a:t>
+            </a:r>
+          </a:p>
+        </p:txBody>
+      </p:sp>
+      <p:sp>
+        <p:nvSpPr>
+          <p:cNvPr id="4" name="Title 1"/>
+          <p:cNvSpPr txBox="1">
+            <a:spLocks/>
+          </p:cNvSpPr>
+          <p:nvPr/>
+        </p:nvSpPr>
+        <p:spPr>
+          <a:xfrm>
+            <a:off x="200569" y="5713805"/>
+            <a:ext cx="8229600" cy="1143000"/>
+          </a:xfrm>
+          <a:prstGeom prst="rect">
+            <a:avLst/>
+          </a:prstGeom>
+        </p:spPr>
+        <p:txBody>
+          <a:bodyPr vert="horz" lIns="91440" tIns="45720" rIns="91440" bIns="45720" rtlCol="0" anchor="ctr">
+            <a:normAutofit fontScale="70000" lnSpcReduction="20000"/>
+          </a:bodyPr>
+          <a:lstStyle>
+            <a:lvl1pPr algn="ctr" defTabSz="457200" rtl="0" eaLnBrk="1" latinLnBrk="0" hangingPunct="1">
+              <a:spcBef>
+                <a:spcPct val="0"/>
+              </a:spcBef>
+              <a:buNone/>
+              <a:defRPr sz="4400" kern="1200">
+                <a:solidFill>
+                  <a:schemeClr val="tx1"/>
+                </a:solidFill>
+                <a:latin typeface="+mj-lt"/>
+                <a:ea typeface="+mj-ea"/>
+                <a:cs typeface="+mj-cs"/>
+              </a:defRPr>
+            </a:lvl1pPr>
+          </a:lstStyle>
+          <a:p>
+            <a:r>
+              <a:rPr lang="en-US" dirty="0" smtClean="0"/>
+              <a:t>Also: know how to draw a diagram showing what happens at a subatomic level in an electric circuit. </a:t>
+            </a:r>
+            <a:endParaRPr lang="en-US" dirty="0"/>
+          </a:p>
+        </p:txBody>
+      </p:sp>
+    </p:spTree>
+    <p:extLst>
+      <p:ext uri="{BB962C8B-B14F-4D97-AF65-F5344CB8AC3E}">
+        <p14:creationId xmlns:p14="http://schemas.microsoft.com/office/powerpoint/2010/main" val="1966030050"/>
+      </p:ext>
+    </p:extLst>
+  </p:cSld>
+  <p:clrMapOvr>
+    <a:masterClrMapping/>
+  </p:clrMapOvr>
+  <p:timing>
+    <p:tnLst>
+      <p:par>
+        <p:cTn xmlns:p14="http://schemas.microsoft.com/office/powerpoint/2010/main" id="1" dur="indefinite" restart="never" nodeType="tmRoot"/>
+      </p:par>
+    </p:tnLst>
+  </p:timing>
+</p:sld>
+</file>
+
+<file path=ppt/slides/slide30.xml><?xml version="1.0" encoding="utf-8"?>
 <p:sld xmlns:a="http://schemas.openxmlformats.org/drawingml/2006/main" xmlns:r="http://schemas.openxmlformats.org/officeDocument/2006/relationships" xmlns:p="http://schemas.openxmlformats.org/presentationml/2006/main">
   <p:cSld>
     <p:spTree>
@@ -9946,322 +10655,6 @@
 </p:sld>
 </file>
 
-<file path=ppt/slides/slide3.xml><?xml version="1.0" encoding="utf-8"?>
-<p:sld xmlns:a="http://schemas.openxmlformats.org/drawingml/2006/main" xmlns:r="http://schemas.openxmlformats.org/officeDocument/2006/relationships" xmlns:p="http://schemas.openxmlformats.org/presentationml/2006/main">
-  <p:cSld>
-    <p:spTree>
-      <p:nvGrpSpPr>
-        <p:cNvPr id="1" name=""/>
-        <p:cNvGrpSpPr/>
-        <p:nvPr/>
-      </p:nvGrpSpPr>
-      <p:grpSpPr>
-        <a:xfrm>
-          <a:off x="0" y="0"/>
-          <a:ext cx="0" cy="0"/>
-          <a:chOff x="0" y="0"/>
-          <a:chExt cx="0" cy="0"/>
-        </a:xfrm>
-      </p:grpSpPr>
-      <p:sp>
-        <p:nvSpPr>
-          <p:cNvPr id="2" name="Title 1"/>
-          <p:cNvSpPr>
-            <a:spLocks noGrp="1"/>
-          </p:cNvSpPr>
-          <p:nvPr>
-            <p:ph type="title"/>
-          </p:nvPr>
-        </p:nvSpPr>
-        <p:spPr>
-          <a:xfrm>
-            <a:off x="457200" y="274638"/>
-            <a:ext cx="8229600" cy="780025"/>
-          </a:xfrm>
-        </p:spPr>
-        <p:txBody>
-          <a:bodyPr/>
-          <a:lstStyle/>
-          <a:p>
-            <a:r>
-              <a:rPr lang="en-US" dirty="0" smtClean="0"/>
-              <a:t>Questions to know how to answer:</a:t>
-            </a:r>
-            <a:endParaRPr lang="en-US" dirty="0"/>
-          </a:p>
-        </p:txBody>
-      </p:sp>
-      <p:sp>
-        <p:nvSpPr>
-          <p:cNvPr id="3" name="Content Placeholder 2"/>
-          <p:cNvSpPr>
-            <a:spLocks noGrp="1"/>
-          </p:cNvSpPr>
-          <p:nvPr>
-            <p:ph idx="1"/>
-          </p:nvPr>
-        </p:nvSpPr>
-        <p:spPr>
-          <a:xfrm>
-            <a:off x="457200" y="1205330"/>
-            <a:ext cx="8229600" cy="4920834"/>
-          </a:xfrm>
-        </p:spPr>
-        <p:txBody>
-          <a:bodyPr>
-            <a:normAutofit fontScale="92500"/>
-          </a:bodyPr>
-          <a:lstStyle/>
-          <a:p>
-            <a:pPr lvl="0"/>
-            <a:r>
-              <a:rPr lang="en-US" dirty="0"/>
-              <a:t>What particle moves around the circuit?</a:t>
-            </a:r>
-          </a:p>
-          <a:p>
-            <a:pPr lvl="0"/>
-            <a:r>
-              <a:rPr lang="en-US" dirty="0"/>
-              <a:t>How fast do electrons move around a circuit?</a:t>
-            </a:r>
-          </a:p>
-          <a:p>
-            <a:pPr lvl="0"/>
-            <a:r>
-              <a:rPr lang="en-US" dirty="0"/>
-              <a:t>How many electrons move at a time around a circuit?</a:t>
-            </a:r>
-          </a:p>
-          <a:p>
-            <a:pPr lvl="0"/>
-            <a:r>
-              <a:rPr lang="en-US" dirty="0"/>
-              <a:t>Where do they come from? How did electrons get into the electric circuit at all? </a:t>
-            </a:r>
-          </a:p>
-          <a:p>
-            <a:pPr lvl="0"/>
-            <a:r>
-              <a:rPr lang="en-US" dirty="0"/>
-              <a:t>Why do the electrons move around the circuit?</a:t>
-            </a:r>
-          </a:p>
-          <a:p>
-            <a:pPr lvl="0"/>
-            <a:r>
-              <a:rPr lang="en-US" dirty="0"/>
-              <a:t>How do they know where do go? Why do </a:t>
-            </a:r>
-            <a:r>
-              <a:rPr lang="en-US" dirty="0" smtClean="0"/>
-              <a:t>they move </a:t>
-            </a:r>
-            <a:r>
-              <a:rPr lang="en-US" dirty="0"/>
-              <a:t>only through a wire, and not anything else</a:t>
-            </a:r>
-            <a:r>
-              <a:rPr lang="en-US" dirty="0" smtClean="0"/>
-              <a:t>?</a:t>
-            </a:r>
-          </a:p>
-        </p:txBody>
-      </p:sp>
-      <p:sp>
-        <p:nvSpPr>
-          <p:cNvPr id="4" name="Title 1"/>
-          <p:cNvSpPr txBox="1">
-            <a:spLocks/>
-          </p:cNvSpPr>
-          <p:nvPr/>
-        </p:nvSpPr>
-        <p:spPr>
-          <a:xfrm>
-            <a:off x="200569" y="5713805"/>
-            <a:ext cx="8229600" cy="1143000"/>
-          </a:xfrm>
-          <a:prstGeom prst="rect">
-            <a:avLst/>
-          </a:prstGeom>
-        </p:spPr>
-        <p:txBody>
-          <a:bodyPr vert="horz" lIns="91440" tIns="45720" rIns="91440" bIns="45720" rtlCol="0" anchor="ctr">
-            <a:normAutofit fontScale="70000" lnSpcReduction="20000"/>
-          </a:bodyPr>
-          <a:lstStyle>
-            <a:lvl1pPr algn="ctr" defTabSz="457200" rtl="0" eaLnBrk="1" latinLnBrk="0" hangingPunct="1">
-              <a:spcBef>
-                <a:spcPct val="0"/>
-              </a:spcBef>
-              <a:buNone/>
-              <a:defRPr sz="4400" kern="1200">
-                <a:solidFill>
-                  <a:schemeClr val="tx1"/>
-                </a:solidFill>
-                <a:latin typeface="+mj-lt"/>
-                <a:ea typeface="+mj-ea"/>
-                <a:cs typeface="+mj-cs"/>
-              </a:defRPr>
-            </a:lvl1pPr>
-          </a:lstStyle>
-          <a:p>
-            <a:r>
-              <a:rPr lang="en-US" dirty="0" smtClean="0"/>
-              <a:t>Also: know how to draw a diagram showing what happens at a subatomic level in an electric circuit. </a:t>
-            </a:r>
-            <a:endParaRPr lang="en-US" dirty="0"/>
-          </a:p>
-        </p:txBody>
-      </p:sp>
-    </p:spTree>
-    <p:extLst>
-      <p:ext uri="{BB962C8B-B14F-4D97-AF65-F5344CB8AC3E}">
-        <p14:creationId xmlns:p14="http://schemas.microsoft.com/office/powerpoint/2010/main" val="1966030050"/>
-      </p:ext>
-    </p:extLst>
-  </p:cSld>
-  <p:clrMapOvr>
-    <a:masterClrMapping/>
-  </p:clrMapOvr>
-</p:sld>
-</file>
-
-<file path=ppt/slides/slide30.xml><?xml version="1.0" encoding="utf-8"?>
-<p:sld xmlns:a="http://schemas.openxmlformats.org/drawingml/2006/main" xmlns:r="http://schemas.openxmlformats.org/officeDocument/2006/relationships" xmlns:p="http://schemas.openxmlformats.org/presentationml/2006/main">
-  <p:cSld>
-    <p:spTree>
-      <p:nvGrpSpPr>
-        <p:cNvPr id="1" name=""/>
-        <p:cNvGrpSpPr/>
-        <p:nvPr/>
-      </p:nvGrpSpPr>
-      <p:grpSpPr>
-        <a:xfrm>
-          <a:off x="0" y="0"/>
-          <a:ext cx="0" cy="0"/>
-          <a:chOff x="0" y="0"/>
-          <a:chExt cx="0" cy="0"/>
-        </a:xfrm>
-      </p:grpSpPr>
-      <p:sp>
-        <p:nvSpPr>
-          <p:cNvPr id="2" name="Title 1"/>
-          <p:cNvSpPr>
-            <a:spLocks noGrp="1"/>
-          </p:cNvSpPr>
-          <p:nvPr>
-            <p:ph type="title"/>
-          </p:nvPr>
-        </p:nvSpPr>
-        <p:spPr/>
-        <p:txBody>
-          <a:bodyPr/>
-          <a:lstStyle/>
-          <a:p>
-            <a:r>
-              <a:rPr lang="en-US" dirty="0" smtClean="0">
-                <a:solidFill>
-                  <a:srgbClr val="FF0000"/>
-                </a:solidFill>
-              </a:rPr>
-              <a:t>WARNING!</a:t>
-            </a:r>
-            <a:endParaRPr lang="en-US" dirty="0">
-              <a:solidFill>
-                <a:srgbClr val="FF0000"/>
-              </a:solidFill>
-            </a:endParaRPr>
-          </a:p>
-        </p:txBody>
-      </p:sp>
-      <p:sp>
-        <p:nvSpPr>
-          <p:cNvPr id="3" name="Content Placeholder 2"/>
-          <p:cNvSpPr>
-            <a:spLocks noGrp="1"/>
-          </p:cNvSpPr>
-          <p:nvPr>
-            <p:ph idx="1"/>
-          </p:nvPr>
-        </p:nvSpPr>
-        <p:spPr/>
-        <p:txBody>
-          <a:bodyPr>
-            <a:normAutofit fontScale="92500" lnSpcReduction="20000"/>
-          </a:bodyPr>
-          <a:lstStyle/>
-          <a:p>
-            <a:r>
-              <a:rPr lang="en-US" dirty="0" smtClean="0"/>
-              <a:t>This is a </a:t>
-            </a:r>
-            <a:r>
-              <a:rPr lang="en-US" i="1" dirty="0" smtClean="0"/>
-              <a:t>very simplified</a:t>
-            </a:r>
-            <a:r>
-              <a:rPr lang="en-US" dirty="0" smtClean="0"/>
-              <a:t> version of how a battery works.</a:t>
-            </a:r>
-          </a:p>
-          <a:p>
-            <a:r>
-              <a:rPr lang="en-US" dirty="0" smtClean="0"/>
-              <a:t>The actual chemical reactions involved are far more complex.</a:t>
-            </a:r>
-          </a:p>
-          <a:p>
-            <a:r>
-              <a:rPr lang="en-US" dirty="0" smtClean="0"/>
-              <a:t>For this class, we need only enough knowledge to explain why electrons move so we can analyze the circuitry mathematically.</a:t>
-            </a:r>
-          </a:p>
-          <a:p>
-            <a:r>
-              <a:rPr lang="en-US" dirty="0" smtClean="0"/>
-              <a:t>For a more detailed description of the chemical reactions within a battery, look in any chemistry textbook on </a:t>
-            </a:r>
-            <a:r>
-              <a:rPr lang="en-US" i="1" dirty="0" smtClean="0"/>
-              <a:t>oxidation-reduction reactions</a:t>
-            </a:r>
-            <a:r>
-              <a:rPr lang="en-US" dirty="0" smtClean="0"/>
-              <a:t> and </a:t>
-            </a:r>
-            <a:r>
-              <a:rPr lang="en-US" i="1" dirty="0" smtClean="0"/>
-              <a:t>electrochemistry</a:t>
-            </a:r>
-            <a:r>
-              <a:rPr lang="en-US" dirty="0" smtClean="0"/>
-              <a:t>. </a:t>
-            </a:r>
-            <a:endParaRPr lang="en-US" dirty="0"/>
-          </a:p>
-        </p:txBody>
-      </p:sp>
-    </p:spTree>
-    <p:extLst>
-      <p:ext uri="{BB962C8B-B14F-4D97-AF65-F5344CB8AC3E}">
-        <p14:creationId xmlns:p14="http://schemas.microsoft.com/office/powerpoint/2010/main" val="4026891389"/>
-      </p:ext>
-    </p:extLst>
-  </p:cSld>
-  <p:clrMapOvr>
-    <a:masterClrMapping/>
-  </p:clrMapOvr>
-  <p:timing>
-    <p:tnLst>
-      <p:par>
-        <p:cTn xmlns:p14="http://schemas.microsoft.com/office/powerpoint/2010/main" id="1" dur="indefinite" restart="never" nodeType="tmRoot"/>
-      </p:par>
-    </p:tnLst>
-  </p:timing>
-</p:sld>
-</file>
-
 <file path=ppt/slides/slide31.xml><?xml version="1.0" encoding="utf-8"?>
 <p:sld xmlns:a="http://schemas.openxmlformats.org/drawingml/2006/main" xmlns:r="http://schemas.openxmlformats.org/officeDocument/2006/relationships" xmlns:p="http://schemas.openxmlformats.org/presentationml/2006/main">
   <p:cSld>
@@ -10286,7 +10679,7 @@
             <a:spLocks noGrp="1"/>
           </p:cNvSpPr>
           <p:nvPr>
-            <p:ph type="ctrTitle"/>
+            <p:ph type="title"/>
           </p:nvPr>
         </p:nvSpPr>
         <p:spPr/>
@@ -10295,31 +10688,83 @@
           <a:lstStyle/>
           <a:p>
             <a:r>
-              <a:rPr lang="en-US" dirty="0" smtClean="0"/>
-              <a:t>5: Why Electrons Drift in the Wire</a:t>
-            </a:r>
-            <a:endParaRPr lang="en-US" dirty="0"/>
-          </a:p>
-        </p:txBody>
-      </p:sp>
-      <p:sp>
-        <p:nvSpPr>
-          <p:cNvPr id="3" name="Subtitle 2"/>
+              <a:rPr lang="en-US" dirty="0" smtClean="0">
+                <a:solidFill>
+                  <a:srgbClr val="FF0000"/>
+                </a:solidFill>
+              </a:rPr>
+              <a:t>WARNING!</a:t>
+            </a:r>
+            <a:endParaRPr lang="en-US" dirty="0">
+              <a:solidFill>
+                <a:srgbClr val="FF0000"/>
+              </a:solidFill>
+            </a:endParaRPr>
+          </a:p>
+        </p:txBody>
+      </p:sp>
+      <p:sp>
+        <p:nvSpPr>
+          <p:cNvPr id="3" name="Content Placeholder 2"/>
           <p:cNvSpPr>
             <a:spLocks noGrp="1"/>
           </p:cNvSpPr>
           <p:nvPr>
-            <p:ph type="subTitle" idx="1"/>
+            <p:ph idx="1"/>
           </p:nvPr>
         </p:nvSpPr>
         <p:spPr/>
         <p:txBody>
-          <a:bodyPr/>
+          <a:bodyPr>
+            <a:normAutofit fontScale="92500" lnSpcReduction="20000"/>
+          </a:bodyPr>
           <a:lstStyle/>
           <a:p>
             <a:r>
               <a:rPr lang="en-US" dirty="0" smtClean="0"/>
-              <a:t>What pushes and pulls electrons around the circuit.</a:t>
+              <a:t>This is a </a:t>
+            </a:r>
+            <a:r>
+              <a:rPr lang="en-US" i="1" dirty="0" smtClean="0"/>
+              <a:t>very simplified</a:t>
+            </a:r>
+            <a:r>
+              <a:rPr lang="en-US" dirty="0" smtClean="0"/>
+              <a:t> version of how a battery works.</a:t>
+            </a:r>
+          </a:p>
+          <a:p>
+            <a:r>
+              <a:rPr lang="en-US" dirty="0" smtClean="0"/>
+              <a:t>The actual chemical reactions involved are far more complex.</a:t>
+            </a:r>
+          </a:p>
+          <a:p>
+            <a:r>
+              <a:rPr lang="en-US" dirty="0" smtClean="0"/>
+              <a:t>For this class, we need only enough knowledge to explain why electrons move so we can analyze the circuitry mathematically.</a:t>
+            </a:r>
+          </a:p>
+          <a:p>
+            <a:r>
+              <a:rPr lang="en-US" dirty="0" smtClean="0"/>
+              <a:t>For a more detailed description of the chemical reactions within a battery, look in any chemistry textbook on </a:t>
+            </a:r>
+            <a:r>
+              <a:rPr lang="en-US" i="1" dirty="0" smtClean="0"/>
+              <a:t>oxidation-reduction reactions</a:t>
+            </a:r>
+            <a:r>
+              <a:rPr lang="en-US" dirty="0" smtClean="0"/>
+              <a:t> and </a:t>
+            </a:r>
+            <a:r>
+              <a:rPr lang="en-US" i="1" dirty="0" smtClean="0"/>
+              <a:t>electrochemistry</a:t>
+            </a:r>
+            <a:r>
+              <a:rPr lang="en-US" dirty="0" smtClean="0"/>
+              <a:t>. </a:t>
             </a:r>
             <a:endParaRPr lang="en-US" dirty="0"/>
           </a:p>
@@ -10328,7 +10773,7 @@
     </p:spTree>
     <p:extLst>
       <p:ext uri="{BB962C8B-B14F-4D97-AF65-F5344CB8AC3E}">
-        <p14:creationId xmlns:p14="http://schemas.microsoft.com/office/powerpoint/2010/main" val="2969300960"/>
+        <p14:creationId xmlns:p14="http://schemas.microsoft.com/office/powerpoint/2010/main" val="4026891389"/>
       </p:ext>
     </p:extLst>
   </p:cSld>
@@ -10379,15 +10824,7 @@
           <a:p>
             <a:r>
               <a:rPr lang="en-US" dirty="0" smtClean="0"/>
-              <a:t>6: Where </a:t>
-            </a:r>
-            <a:r>
-              <a:rPr lang="en-US" i="1" dirty="0" smtClean="0"/>
-              <a:t>electric current</a:t>
-            </a:r>
-            <a:r>
-              <a:rPr lang="en-US" dirty="0" smtClean="0"/>
-              <a:t> comes from</a:t>
+              <a:t>5: Why Electrons Drift in the Wire</a:t>
             </a:r>
             <a:endParaRPr lang="en-US" dirty="0"/>
           </a:p>
@@ -10408,20 +10845,31 @@
           <a:bodyPr/>
           <a:lstStyle/>
           <a:p>
-            <a:endParaRPr lang="en-US"/>
+            <a:r>
+              <a:rPr lang="en-US" dirty="0" smtClean="0"/>
+              <a:t>What pushes and pulls electrons around the circuit.</a:t>
+            </a:r>
+            <a:endParaRPr lang="en-US" dirty="0"/>
           </a:p>
         </p:txBody>
       </p:sp>
     </p:spTree>
     <p:extLst>
       <p:ext uri="{BB962C8B-B14F-4D97-AF65-F5344CB8AC3E}">
-        <p14:creationId xmlns:p14="http://schemas.microsoft.com/office/powerpoint/2010/main" val="3760266496"/>
+        <p14:creationId xmlns:p14="http://schemas.microsoft.com/office/powerpoint/2010/main" val="2969300960"/>
       </p:ext>
     </p:extLst>
   </p:cSld>
   <p:clrMapOvr>
     <a:masterClrMapping/>
   </p:clrMapOvr>
+  <p:timing>
+    <p:tnLst>
+      <p:par>
+        <p:cTn xmlns:p14="http://schemas.microsoft.com/office/powerpoint/2010/main" id="1" dur="indefinite" restart="never" nodeType="tmRoot"/>
+      </p:par>
+    </p:tnLst>
+  </p:timing>
 </p:sld>
 </file>
 
@@ -10449,7 +10897,7 @@
             <a:spLocks noGrp="1"/>
           </p:cNvSpPr>
           <p:nvPr>
-            <p:ph type="title"/>
+            <p:ph type="ctrTitle"/>
           </p:nvPr>
         </p:nvSpPr>
         <p:spPr/>
@@ -10457,81 +10905,58 @@
           <a:bodyPr/>
           <a:lstStyle/>
           <a:p>
-            <a:endParaRPr lang="en-US"/>
-          </a:p>
-        </p:txBody>
-      </p:sp>
-      <p:sp>
-        <p:nvSpPr>
-          <p:cNvPr id="3" name="Content Placeholder 2"/>
+            <a:r>
+              <a:rPr lang="en-US" dirty="0" smtClean="0"/>
+              <a:t>6: Where </a:t>
+            </a:r>
+            <a:r>
+              <a:rPr lang="en-US" i="1" dirty="0" smtClean="0"/>
+              <a:t>electric current</a:t>
+            </a:r>
+            <a:r>
+              <a:rPr lang="en-US" dirty="0" smtClean="0"/>
+              <a:t> comes from</a:t>
+            </a:r>
+            <a:endParaRPr lang="en-US" dirty="0"/>
+          </a:p>
+        </p:txBody>
+      </p:sp>
+      <p:sp>
+        <p:nvSpPr>
+          <p:cNvPr id="3" name="Subtitle 2"/>
           <p:cNvSpPr>
             <a:spLocks noGrp="1"/>
           </p:cNvSpPr>
           <p:nvPr>
-            <p:ph idx="1"/>
+            <p:ph type="subTitle" idx="1"/>
           </p:nvPr>
         </p:nvSpPr>
         <p:spPr/>
         <p:txBody>
-          <a:bodyPr>
-            <a:normAutofit lnSpcReduction="10000"/>
-          </a:bodyPr>
-          <a:lstStyle/>
-          <a:p>
-            <a:r>
-              <a:rPr lang="en-US" dirty="0" smtClean="0"/>
-              <a:t>Electrons alter their behavior by a tiny tiny bit, and drift at the speed of a tortoise in slow motion</a:t>
-            </a:r>
-            <a:r>
-              <a:rPr lang="is-IS" dirty="0" smtClean="0"/>
-              <a:t>….</a:t>
-            </a:r>
-          </a:p>
-          <a:p>
-            <a:r>
-              <a:rPr lang="is-IS" dirty="0" smtClean="0"/>
-              <a:t>B</a:t>
-            </a:r>
-            <a:r>
-              <a:rPr lang="en-US" dirty="0" smtClean="0"/>
-              <a:t>u</a:t>
-            </a:r>
-            <a:r>
-              <a:rPr lang="is-IS" dirty="0" smtClean="0"/>
-              <a:t>t, the billions upon billions of electrons inside of the wire all drift slowly together, they create an </a:t>
-            </a:r>
-            <a:r>
-              <a:rPr lang="is-IS" i="1" dirty="0" smtClean="0"/>
-              <a:t>extremely powerful</a:t>
-            </a:r>
-            <a:r>
-              <a:rPr lang="is-IS" dirty="0" smtClean="0"/>
-              <a:t> motion of charge</a:t>
-            </a:r>
-          </a:p>
-          <a:p>
-            <a:r>
-              <a:rPr lang="is-IS" dirty="0" smtClean="0"/>
-              <a:t>- that motion of cahrge is called an </a:t>
-            </a:r>
-            <a:r>
-              <a:rPr lang="is-IS" i="1" dirty="0" smtClean="0"/>
-              <a:t>electric current</a:t>
-            </a:r>
-            <a:endParaRPr lang="en-US" dirty="0"/>
+          <a:bodyPr/>
+          <a:lstStyle/>
+          <a:p>
+            <a:endParaRPr lang="en-US"/>
           </a:p>
         </p:txBody>
       </p:sp>
     </p:spTree>
     <p:extLst>
       <p:ext uri="{BB962C8B-B14F-4D97-AF65-F5344CB8AC3E}">
-        <p14:creationId xmlns:p14="http://schemas.microsoft.com/office/powerpoint/2010/main" val="1491005875"/>
+        <p14:creationId xmlns:p14="http://schemas.microsoft.com/office/powerpoint/2010/main" val="3760266496"/>
       </p:ext>
     </p:extLst>
   </p:cSld>
   <p:clrMapOvr>
     <a:masterClrMapping/>
   </p:clrMapOvr>
+  <p:timing>
+    <p:tnLst>
+      <p:par>
+        <p:cTn xmlns:p14="http://schemas.microsoft.com/office/powerpoint/2010/main" id="1" dur="indefinite" restart="never" nodeType="tmRoot"/>
+      </p:par>
+    </p:tnLst>
+  </p:timing>
 </p:sld>
 </file>
 
@@ -10559,7 +10984,7 @@
             <a:spLocks noGrp="1"/>
           </p:cNvSpPr>
           <p:nvPr>
-            <p:ph type="ctrTitle"/>
+            <p:ph type="title"/>
           </p:nvPr>
         </p:nvSpPr>
         <p:spPr/>
@@ -10567,40 +10992,66 @@
           <a:bodyPr/>
           <a:lstStyle/>
           <a:p>
-            <a:r>
-              <a:rPr lang="en-US" dirty="0" smtClean="0"/>
-              <a:t>7: Conventional Current and Electric Field</a:t>
-            </a:r>
-            <a:endParaRPr lang="en-US" dirty="0"/>
-          </a:p>
-        </p:txBody>
-      </p:sp>
-      <p:sp>
-        <p:nvSpPr>
-          <p:cNvPr id="3" name="Subtitle 2"/>
+            <a:endParaRPr lang="en-US"/>
+          </a:p>
+        </p:txBody>
+      </p:sp>
+      <p:sp>
+        <p:nvSpPr>
+          <p:cNvPr id="3" name="Content Placeholder 2"/>
           <p:cNvSpPr>
             <a:spLocks noGrp="1"/>
           </p:cNvSpPr>
           <p:nvPr>
-            <p:ph type="subTitle" idx="1"/>
+            <p:ph idx="1"/>
           </p:nvPr>
         </p:nvSpPr>
         <p:spPr/>
         <p:txBody>
-          <a:bodyPr/>
+          <a:bodyPr>
+            <a:normAutofit lnSpcReduction="10000"/>
+          </a:bodyPr>
           <a:lstStyle/>
           <a:p>
             <a:r>
               <a:rPr lang="en-US" dirty="0" smtClean="0"/>
-              <a:t>Concepts required to </a:t>
-            </a:r>
-            <a:r>
-              <a:rPr lang="en-US" i="1" dirty="0" smtClean="0"/>
-              <a:t>mathematically</a:t>
+              <a:t>Electrons alter their behavior by a tiny tiny bit, and drift at the speed of a tortoise in slow motion</a:t>
+            </a:r>
+            <a:r>
+              <a:rPr lang="is-IS" dirty="0" smtClean="0"/>
+              <a:t>….</a:t>
+            </a:r>
+          </a:p>
+          <a:p>
+            <a:r>
+              <a:rPr lang="is-IS" dirty="0" smtClean="0"/>
+              <a:t>B</a:t>
             </a:r>
             <a:r>
               <a:rPr lang="en-US" dirty="0" smtClean="0"/>
-              <a:t> analyze an electric circuit.</a:t>
+              <a:t>u</a:t>
+            </a:r>
+            <a:r>
+              <a:rPr lang="is-IS" dirty="0" smtClean="0"/>
+              <a:t>t, the billions upon billions of electrons inside of the wire all drift slowly together, they create an </a:t>
+            </a:r>
+            <a:r>
+              <a:rPr lang="is-IS" i="1" dirty="0" smtClean="0"/>
+              <a:t>extremely powerful</a:t>
+            </a:r>
+            <a:r>
+              <a:rPr lang="is-IS" dirty="0" smtClean="0"/>
+              <a:t> motion of charge</a:t>
+            </a:r>
+          </a:p>
+          <a:p>
+            <a:r>
+              <a:rPr lang="is-IS" dirty="0" smtClean="0"/>
+              <a:t>- that motion of cahrge is called an </a:t>
+            </a:r>
+            <a:r>
+              <a:rPr lang="is-IS" i="1" dirty="0" smtClean="0"/>
+              <a:t>electric current</a:t>
             </a:r>
             <a:endParaRPr lang="en-US" dirty="0"/>
           </a:p>
@@ -10609,7 +11060,7 @@
     </p:spTree>
     <p:extLst>
       <p:ext uri="{BB962C8B-B14F-4D97-AF65-F5344CB8AC3E}">
-        <p14:creationId xmlns:p14="http://schemas.microsoft.com/office/powerpoint/2010/main" val="1535662471"/>
+        <p14:creationId xmlns:p14="http://schemas.microsoft.com/office/powerpoint/2010/main" val="1491005875"/>
       </p:ext>
     </p:extLst>
   </p:cSld>
@@ -10650,19 +11101,17 @@
             <a:spLocks noGrp="1"/>
           </p:cNvSpPr>
           <p:nvPr>
-            <p:ph type="title"/>
+            <p:ph type="ctrTitle"/>
           </p:nvPr>
         </p:nvSpPr>
         <p:spPr/>
         <p:txBody>
-          <a:bodyPr>
-            <a:normAutofit fontScale="90000"/>
-          </a:bodyPr>
+          <a:bodyPr/>
           <a:lstStyle/>
           <a:p>
             <a:r>
               <a:rPr lang="en-US" dirty="0" smtClean="0"/>
-              <a:t>Two really annoying things you need to worry about:</a:t>
+              <a:t>7: Conventional Current and Electric Field</a:t>
             </a:r>
             <a:endParaRPr lang="en-US" dirty="0"/>
           </a:p>
@@ -10670,12 +11119,12 @@
       </p:sp>
       <p:sp>
         <p:nvSpPr>
-          <p:cNvPr id="3" name="Content Placeholder 2"/>
+          <p:cNvPr id="3" name="Subtitle 2"/>
           <p:cNvSpPr>
             <a:spLocks noGrp="1"/>
           </p:cNvSpPr>
           <p:nvPr>
-            <p:ph idx="1"/>
+            <p:ph type="subTitle" idx="1"/>
           </p:nvPr>
         </p:nvSpPr>
         <p:spPr/>
@@ -10685,24 +11134,15 @@
           <a:p>
             <a:r>
               <a:rPr lang="en-US" dirty="0" smtClean="0"/>
-              <a:t>Electric field: an arrow showing the direction that </a:t>
+              <a:t>Concepts required to </a:t>
             </a:r>
             <a:r>
               <a:rPr lang="en-US" i="1" dirty="0" smtClean="0"/>
-              <a:t>positive</a:t>
+              <a:t>mathematically</a:t>
             </a:r>
             <a:r>
               <a:rPr lang="en-US" dirty="0" smtClean="0"/>
-              <a:t> charges move.</a:t>
-            </a:r>
-          </a:p>
-          <a:p>
-            <a:endParaRPr lang="en-US" dirty="0"/>
-          </a:p>
-          <a:p>
-            <a:r>
-              <a:rPr lang="en-US" dirty="0" smtClean="0"/>
-              <a:t>Conventional Current: the direction that positive charges move?</a:t>
+              <a:t> analyze an electric circuit.</a:t>
             </a:r>
             <a:endParaRPr lang="en-US" dirty="0"/>
           </a:p>
@@ -10711,7 +11151,7 @@
     </p:spTree>
     <p:extLst>
       <p:ext uri="{BB962C8B-B14F-4D97-AF65-F5344CB8AC3E}">
-        <p14:creationId xmlns:p14="http://schemas.microsoft.com/office/powerpoint/2010/main" val="1190781325"/>
+        <p14:creationId xmlns:p14="http://schemas.microsoft.com/office/powerpoint/2010/main" val="1535662471"/>
       </p:ext>
     </p:extLst>
   </p:cSld>
@@ -10757,6 +11197,108 @@
         </p:nvSpPr>
         <p:spPr/>
         <p:txBody>
+          <a:bodyPr>
+            <a:normAutofit fontScale="90000"/>
+          </a:bodyPr>
+          <a:lstStyle/>
+          <a:p>
+            <a:r>
+              <a:rPr lang="en-US" dirty="0" smtClean="0"/>
+              <a:t>Two really annoying things you need to worry about:</a:t>
+            </a:r>
+            <a:endParaRPr lang="en-US" dirty="0"/>
+          </a:p>
+        </p:txBody>
+      </p:sp>
+      <p:sp>
+        <p:nvSpPr>
+          <p:cNvPr id="3" name="Content Placeholder 2"/>
+          <p:cNvSpPr>
+            <a:spLocks noGrp="1"/>
+          </p:cNvSpPr>
+          <p:nvPr>
+            <p:ph idx="1"/>
+          </p:nvPr>
+        </p:nvSpPr>
+        <p:spPr/>
+        <p:txBody>
+          <a:bodyPr/>
+          <a:lstStyle/>
+          <a:p>
+            <a:r>
+              <a:rPr lang="en-US" dirty="0" smtClean="0"/>
+              <a:t>Electric field: an arrow showing the direction that </a:t>
+            </a:r>
+            <a:r>
+              <a:rPr lang="en-US" i="1" dirty="0" smtClean="0"/>
+              <a:t>positive</a:t>
+            </a:r>
+            <a:r>
+              <a:rPr lang="en-US" dirty="0" smtClean="0"/>
+              <a:t> charges move.</a:t>
+            </a:r>
+          </a:p>
+          <a:p>
+            <a:endParaRPr lang="en-US" dirty="0"/>
+          </a:p>
+          <a:p>
+            <a:r>
+              <a:rPr lang="en-US" dirty="0" smtClean="0"/>
+              <a:t>Conventional Current: the direction that positive charges move?</a:t>
+            </a:r>
+            <a:endParaRPr lang="en-US" dirty="0"/>
+          </a:p>
+        </p:txBody>
+      </p:sp>
+    </p:spTree>
+    <p:extLst>
+      <p:ext uri="{BB962C8B-B14F-4D97-AF65-F5344CB8AC3E}">
+        <p14:creationId xmlns:p14="http://schemas.microsoft.com/office/powerpoint/2010/main" val="1190781325"/>
+      </p:ext>
+    </p:extLst>
+  </p:cSld>
+  <p:clrMapOvr>
+    <a:masterClrMapping/>
+  </p:clrMapOvr>
+  <p:timing>
+    <p:tnLst>
+      <p:par>
+        <p:cTn xmlns:p14="http://schemas.microsoft.com/office/powerpoint/2010/main" id="1" dur="indefinite" restart="never" nodeType="tmRoot"/>
+      </p:par>
+    </p:tnLst>
+  </p:timing>
+</p:sld>
+</file>
+
+<file path=ppt/slides/slide37.xml><?xml version="1.0" encoding="utf-8"?>
+<p:sld xmlns:a="http://schemas.openxmlformats.org/drawingml/2006/main" xmlns:r="http://schemas.openxmlformats.org/officeDocument/2006/relationships" xmlns:p="http://schemas.openxmlformats.org/presentationml/2006/main">
+  <p:cSld>
+    <p:spTree>
+      <p:nvGrpSpPr>
+        <p:cNvPr id="1" name=""/>
+        <p:cNvGrpSpPr/>
+        <p:nvPr/>
+      </p:nvGrpSpPr>
+      <p:grpSpPr>
+        <a:xfrm>
+          <a:off x="0" y="0"/>
+          <a:ext cx="0" cy="0"/>
+          <a:chOff x="0" y="0"/>
+          <a:chExt cx="0" cy="0"/>
+        </a:xfrm>
+      </p:grpSpPr>
+      <p:sp>
+        <p:nvSpPr>
+          <p:cNvPr id="2" name="Title 1"/>
+          <p:cNvSpPr>
+            <a:spLocks noGrp="1"/>
+          </p:cNvSpPr>
+          <p:nvPr>
+            <p:ph type="title"/>
+          </p:nvPr>
+        </p:nvSpPr>
+        <p:spPr/>
+        <p:txBody>
           <a:bodyPr/>
           <a:lstStyle/>
           <a:p>
@@ -10843,7 +11385,7 @@
 </p:sld>
 </file>
 
-<file path=ppt/slides/slide37.xml><?xml version="1.0" encoding="utf-8"?>
+<file path=ppt/slides/slide38.xml><?xml version="1.0" encoding="utf-8"?>
 <p:sld xmlns:a="http://schemas.openxmlformats.org/drawingml/2006/main" xmlns:r="http://schemas.openxmlformats.org/officeDocument/2006/relationships" xmlns:p="http://schemas.openxmlformats.org/presentationml/2006/main">
   <p:cSld>
     <p:spTree>
@@ -11146,7 +11688,7 @@
 </p:sld>
 </file>
 
-<file path=ppt/slides/slide38.xml><?xml version="1.0" encoding="utf-8"?>
+<file path=ppt/slides/slide39.xml><?xml version="1.0" encoding="utf-8"?>
 <p:sld xmlns:a="http://schemas.openxmlformats.org/drawingml/2006/main" xmlns:r="http://schemas.openxmlformats.org/officeDocument/2006/relationships" xmlns:p="http://schemas.openxmlformats.org/presentationml/2006/main">
   <p:cSld>
     <p:spTree>
@@ -11268,10 +11810,106 @@
   <p:clrMapOvr>
     <a:masterClrMapping/>
   </p:clrMapOvr>
+  <p:timing>
+    <p:tnLst>
+      <p:par>
+        <p:cTn xmlns:p14="http://schemas.microsoft.com/office/powerpoint/2010/main" id="1" dur="indefinite" restart="never" nodeType="tmRoot"/>
+      </p:par>
+    </p:tnLst>
+  </p:timing>
 </p:sld>
 </file>
 
-<file path=ppt/slides/slide39.xml><?xml version="1.0" encoding="utf-8"?>
+<file path=ppt/slides/slide4.xml><?xml version="1.0" encoding="utf-8"?>
+<p:sld xmlns:a="http://schemas.openxmlformats.org/drawingml/2006/main" xmlns:r="http://schemas.openxmlformats.org/officeDocument/2006/relationships" xmlns:p="http://schemas.openxmlformats.org/presentationml/2006/main">
+  <p:cSld>
+    <p:spTree>
+      <p:nvGrpSpPr>
+        <p:cNvPr id="1" name=""/>
+        <p:cNvGrpSpPr/>
+        <p:nvPr/>
+      </p:nvGrpSpPr>
+      <p:grpSpPr>
+        <a:xfrm>
+          <a:off x="0" y="0"/>
+          <a:ext cx="0" cy="0"/>
+          <a:chOff x="0" y="0"/>
+          <a:chExt cx="0" cy="0"/>
+        </a:xfrm>
+      </p:grpSpPr>
+      <p:sp>
+        <p:nvSpPr>
+          <p:cNvPr id="2" name="Title 1"/>
+          <p:cNvSpPr>
+            <a:spLocks noGrp="1"/>
+          </p:cNvSpPr>
+          <p:nvPr>
+            <p:ph type="title"/>
+          </p:nvPr>
+        </p:nvSpPr>
+        <p:spPr/>
+        <p:txBody>
+          <a:bodyPr/>
+          <a:lstStyle/>
+          <a:p>
+            <a:r>
+              <a:rPr lang="en-US" dirty="0" smtClean="0"/>
+              <a:t>Expectation</a:t>
+            </a:r>
+            <a:endParaRPr lang="en-US" dirty="0"/>
+          </a:p>
+        </p:txBody>
+      </p:sp>
+      <p:sp>
+        <p:nvSpPr>
+          <p:cNvPr id="3" name="Content Placeholder 2"/>
+          <p:cNvSpPr>
+            <a:spLocks noGrp="1"/>
+          </p:cNvSpPr>
+          <p:nvPr>
+            <p:ph idx="1"/>
+          </p:nvPr>
+        </p:nvSpPr>
+        <p:spPr/>
+        <p:txBody>
+          <a:bodyPr/>
+          <a:lstStyle/>
+          <a:p>
+            <a:r>
+              <a:rPr lang="en-US" dirty="0" smtClean="0"/>
+              <a:t>For each question, you need to know the right answer</a:t>
+            </a:r>
+          </a:p>
+          <a:p>
+            <a:r>
+              <a:rPr lang="en-US" dirty="0" smtClean="0"/>
+              <a:t>But you also (and much more importantly) need to be able to explain why a wrong answer is wrong. </a:t>
+            </a:r>
+            <a:endParaRPr lang="en-US" dirty="0"/>
+          </a:p>
+        </p:txBody>
+      </p:sp>
+    </p:spTree>
+    <p:extLst>
+      <p:ext uri="{BB962C8B-B14F-4D97-AF65-F5344CB8AC3E}">
+        <p14:creationId xmlns:p14="http://schemas.microsoft.com/office/powerpoint/2010/main" val="3913172437"/>
+      </p:ext>
+    </p:extLst>
+  </p:cSld>
+  <p:clrMapOvr>
+    <a:masterClrMapping/>
+  </p:clrMapOvr>
+  <p:timing>
+    <p:tnLst>
+      <p:par>
+        <p:cTn xmlns:p14="http://schemas.microsoft.com/office/powerpoint/2010/main" id="1" dur="indefinite" restart="never" nodeType="tmRoot"/>
+      </p:par>
+    </p:tnLst>
+  </p:timing>
+</p:sld>
+</file>
+
+<file path=ppt/slides/slide40.xml><?xml version="1.0" encoding="utf-8"?>
 <p:sld xmlns:a="http://schemas.openxmlformats.org/drawingml/2006/main" xmlns:r="http://schemas.openxmlformats.org/officeDocument/2006/relationships" xmlns:p="http://schemas.openxmlformats.org/presentationml/2006/main">
   <p:cSld>
     <p:spTree>
@@ -11496,386 +12134,13 @@
   <p:clrMapOvr>
     <a:masterClrMapping/>
   </p:clrMapOvr>
-</p:sld>
-</file>
-
-<file path=ppt/slides/slide4.xml><?xml version="1.0" encoding="utf-8"?>
-<p:sld xmlns:a="http://schemas.openxmlformats.org/drawingml/2006/main" xmlns:r="http://schemas.openxmlformats.org/officeDocument/2006/relationships" xmlns:p="http://schemas.openxmlformats.org/presentationml/2006/main">
-  <p:cSld>
-    <p:spTree>
-      <p:nvGrpSpPr>
-        <p:cNvPr id="1" name=""/>
-        <p:cNvGrpSpPr/>
-        <p:nvPr/>
-      </p:nvGrpSpPr>
-      <p:grpSpPr>
-        <a:xfrm>
-          <a:off x="0" y="0"/>
-          <a:ext cx="0" cy="0"/>
-          <a:chOff x="0" y="0"/>
-          <a:chExt cx="0" cy="0"/>
-        </a:xfrm>
-      </p:grpSpPr>
-      <p:sp>
-        <p:nvSpPr>
-          <p:cNvPr id="2" name="Title 1"/>
-          <p:cNvSpPr>
-            <a:spLocks noGrp="1"/>
-          </p:cNvSpPr>
-          <p:nvPr>
-            <p:ph type="title"/>
-          </p:nvPr>
-        </p:nvSpPr>
-        <p:spPr/>
-        <p:txBody>
-          <a:bodyPr/>
-          <a:lstStyle/>
-          <a:p>
-            <a:r>
-              <a:rPr lang="en-US" dirty="0" smtClean="0"/>
-              <a:t>Expectation</a:t>
-            </a:r>
-            <a:endParaRPr lang="en-US" dirty="0"/>
-          </a:p>
-        </p:txBody>
-      </p:sp>
-      <p:sp>
-        <p:nvSpPr>
-          <p:cNvPr id="3" name="Content Placeholder 2"/>
-          <p:cNvSpPr>
-            <a:spLocks noGrp="1"/>
-          </p:cNvSpPr>
-          <p:nvPr>
-            <p:ph idx="1"/>
-          </p:nvPr>
-        </p:nvSpPr>
-        <p:spPr/>
-        <p:txBody>
-          <a:bodyPr/>
-          <a:lstStyle/>
-          <a:p>
-            <a:r>
-              <a:rPr lang="en-US" dirty="0" smtClean="0"/>
-              <a:t>For each question, you need to know the right answer</a:t>
-            </a:r>
-          </a:p>
-          <a:p>
-            <a:r>
-              <a:rPr lang="en-US" dirty="0" smtClean="0"/>
-              <a:t>But you also (and much more importantly) need to be able to explain why a wrong answer is wrong. </a:t>
-            </a:r>
-            <a:endParaRPr lang="en-US" dirty="0"/>
-          </a:p>
-        </p:txBody>
-      </p:sp>
-    </p:spTree>
-    <p:extLst>
-      <p:ext uri="{BB962C8B-B14F-4D97-AF65-F5344CB8AC3E}">
-        <p14:creationId xmlns:p14="http://schemas.microsoft.com/office/powerpoint/2010/main" val="3913172437"/>
-      </p:ext>
-    </p:extLst>
-  </p:cSld>
-  <p:clrMapOvr>
-    <a:masterClrMapping/>
-  </p:clrMapOvr>
-</p:sld>
-</file>
-
-<file path=ppt/slides/slide40.xml><?xml version="1.0" encoding="utf-8"?>
-<p:sld xmlns:a="http://schemas.openxmlformats.org/drawingml/2006/main" xmlns:r="http://schemas.openxmlformats.org/officeDocument/2006/relationships" xmlns:p="http://schemas.openxmlformats.org/presentationml/2006/main">
-  <p:cSld>
-    <p:spTree>
-      <p:nvGrpSpPr>
-        <p:cNvPr id="1" name=""/>
-        <p:cNvGrpSpPr/>
-        <p:nvPr/>
-      </p:nvGrpSpPr>
-      <p:grpSpPr>
-        <a:xfrm>
-          <a:off x="0" y="0"/>
-          <a:ext cx="0" cy="0"/>
-          <a:chOff x="0" y="0"/>
-          <a:chExt cx="0" cy="0"/>
-        </a:xfrm>
-      </p:grpSpPr>
-      <p:sp>
-        <p:nvSpPr>
-          <p:cNvPr id="2" name="Title 1"/>
-          <p:cNvSpPr>
-            <a:spLocks noGrp="1"/>
-          </p:cNvSpPr>
-          <p:nvPr>
-            <p:ph type="title"/>
-          </p:nvPr>
-        </p:nvSpPr>
-        <p:spPr/>
-        <p:txBody>
-          <a:bodyPr>
-            <a:normAutofit fontScale="90000"/>
-          </a:bodyPr>
-          <a:lstStyle/>
-          <a:p>
-            <a:r>
-              <a:rPr lang="en-US" dirty="0" smtClean="0"/>
-              <a:t>But how can you get away with being </a:t>
-            </a:r>
-            <a:r>
-              <a:rPr lang="en-US" i="1" dirty="0" smtClean="0"/>
-              <a:t>wrong</a:t>
-            </a:r>
-            <a:r>
-              <a:rPr lang="en-US" dirty="0" smtClean="0"/>
-              <a:t> like that</a:t>
-            </a:r>
-            <a:r>
-              <a:rPr lang="en-US" i="1" dirty="0" smtClean="0"/>
-              <a:t>?</a:t>
-            </a:r>
-            <a:endParaRPr lang="en-US" dirty="0"/>
-          </a:p>
-        </p:txBody>
-      </p:sp>
-      <p:sp>
-        <p:nvSpPr>
-          <p:cNvPr id="3" name="Content Placeholder 2"/>
-          <p:cNvSpPr>
-            <a:spLocks noGrp="1"/>
-          </p:cNvSpPr>
-          <p:nvPr>
-            <p:ph idx="1"/>
-          </p:nvPr>
-        </p:nvSpPr>
-        <p:spPr/>
-        <p:txBody>
-          <a:bodyPr/>
-          <a:lstStyle/>
-          <a:p>
-            <a:r>
-              <a:rPr lang="en-US" dirty="0" smtClean="0"/>
-              <a:t>They are mathematically equivalent!</a:t>
-            </a:r>
-            <a:endParaRPr lang="en-US" dirty="0"/>
-          </a:p>
-        </p:txBody>
-      </p:sp>
-      <p:sp>
-        <p:nvSpPr>
-          <p:cNvPr id="4" name="Right Arrow 3"/>
-          <p:cNvSpPr/>
-          <p:nvPr/>
-        </p:nvSpPr>
-        <p:spPr>
-          <a:xfrm>
-            <a:off x="2088212" y="2335325"/>
-            <a:ext cx="3509057" cy="1355995"/>
-          </a:xfrm>
-          <a:prstGeom prst="rightArrow">
-            <a:avLst/>
-          </a:prstGeom>
-          <a:solidFill>
-            <a:srgbClr val="FFFFFF"/>
-          </a:solidFill>
-          <a:ln w="38100" cmpd="sng">
-            <a:solidFill>
-              <a:srgbClr val="000000"/>
-            </a:solidFill>
-          </a:ln>
-          <a:effectLst/>
-        </p:spPr>
-        <p:style>
-          <a:lnRef idx="1">
-            <a:schemeClr val="accent1"/>
-          </a:lnRef>
-          <a:fillRef idx="3">
-            <a:schemeClr val="accent1"/>
-          </a:fillRef>
-          <a:effectRef idx="2">
-            <a:schemeClr val="accent1"/>
-          </a:effectRef>
-          <a:fontRef idx="minor">
-            <a:schemeClr val="lt1"/>
-          </a:fontRef>
-        </p:style>
-        <p:txBody>
-          <a:bodyPr rtlCol="0" anchor="ctr"/>
-          <a:lstStyle/>
-          <a:p>
-            <a:pPr algn="ctr"/>
-            <a:endParaRPr lang="en-US"/>
-          </a:p>
-        </p:txBody>
-      </p:sp>
-      <p:sp>
-        <p:nvSpPr>
-          <p:cNvPr id="5" name="Right Arrow 4"/>
-          <p:cNvSpPr/>
-          <p:nvPr/>
-        </p:nvSpPr>
-        <p:spPr>
-          <a:xfrm flipH="1">
-            <a:off x="2088212" y="4770168"/>
-            <a:ext cx="3509057" cy="1355995"/>
-          </a:xfrm>
-          <a:prstGeom prst="rightArrow">
-            <a:avLst/>
-          </a:prstGeom>
-          <a:solidFill>
-            <a:srgbClr val="FFFFFF"/>
-          </a:solidFill>
-          <a:ln w="38100" cmpd="sng">
-            <a:solidFill>
-              <a:srgbClr val="000000"/>
-            </a:solidFill>
-          </a:ln>
-          <a:effectLst/>
-        </p:spPr>
-        <p:style>
-          <a:lnRef idx="1">
-            <a:schemeClr val="accent1"/>
-          </a:lnRef>
-          <a:fillRef idx="3">
-            <a:schemeClr val="accent1"/>
-          </a:fillRef>
-          <a:effectRef idx="2">
-            <a:schemeClr val="accent1"/>
-          </a:effectRef>
-          <a:fontRef idx="minor">
-            <a:schemeClr val="lt1"/>
-          </a:fontRef>
-        </p:style>
-        <p:txBody>
-          <a:bodyPr rtlCol="0" anchor="ctr"/>
-          <a:lstStyle/>
-          <a:p>
-            <a:pPr algn="ctr"/>
-            <a:endParaRPr lang="en-US"/>
-          </a:p>
-        </p:txBody>
-      </p:sp>
-      <p:sp>
-        <p:nvSpPr>
-          <p:cNvPr id="6" name="TextBox 5"/>
-          <p:cNvSpPr txBox="1"/>
-          <p:nvPr/>
-        </p:nvSpPr>
-        <p:spPr>
-          <a:xfrm>
-            <a:off x="2303491" y="2841133"/>
-            <a:ext cx="2583355" cy="523220"/>
-          </a:xfrm>
-          <a:prstGeom prst="rect">
-            <a:avLst/>
-          </a:prstGeom>
-          <a:noFill/>
-        </p:spPr>
-        <p:txBody>
-          <a:bodyPr wrap="square" rtlCol="0">
-            <a:spAutoFit/>
-          </a:bodyPr>
-          <a:lstStyle/>
-          <a:p>
-            <a:r>
-              <a:rPr lang="en-US" sz="2800" dirty="0" smtClean="0"/>
-              <a:t>+++++++++++</a:t>
-            </a:r>
-            <a:endParaRPr lang="en-US" sz="2800" dirty="0"/>
-          </a:p>
-        </p:txBody>
-      </p:sp>
-      <p:sp>
-        <p:nvSpPr>
-          <p:cNvPr id="7" name="TextBox 6"/>
-          <p:cNvSpPr txBox="1"/>
-          <p:nvPr/>
-        </p:nvSpPr>
-        <p:spPr>
-          <a:xfrm>
-            <a:off x="3164610" y="5190687"/>
-            <a:ext cx="2583355" cy="523220"/>
-          </a:xfrm>
-          <a:prstGeom prst="rect">
-            <a:avLst/>
-          </a:prstGeom>
-          <a:noFill/>
-        </p:spPr>
-        <p:txBody>
-          <a:bodyPr wrap="square" rtlCol="0">
-            <a:spAutoFit/>
-          </a:bodyPr>
-          <a:lstStyle/>
-          <a:p>
-            <a:r>
-              <a:rPr lang="en-US" sz="2800" dirty="0" smtClean="0"/>
-              <a:t>---------------</a:t>
-            </a:r>
-            <a:endParaRPr lang="en-US" sz="2800" dirty="0"/>
-          </a:p>
-        </p:txBody>
-      </p:sp>
-      <p:sp>
-        <p:nvSpPr>
-          <p:cNvPr id="8" name="TextBox 7"/>
-          <p:cNvSpPr txBox="1"/>
-          <p:nvPr/>
-        </p:nvSpPr>
-        <p:spPr>
-          <a:xfrm>
-            <a:off x="6313612" y="2335325"/>
-            <a:ext cx="2513389" cy="3970318"/>
-          </a:xfrm>
-          <a:prstGeom prst="rect">
-            <a:avLst/>
-          </a:prstGeom>
-          <a:noFill/>
-        </p:spPr>
-        <p:txBody>
-          <a:bodyPr wrap="square" rtlCol="0">
-            <a:spAutoFit/>
-          </a:bodyPr>
-          <a:lstStyle/>
-          <a:p>
-            <a:r>
-              <a:rPr lang="en-US" sz="2800" dirty="0" smtClean="0"/>
-              <a:t>Something </a:t>
-            </a:r>
-            <a:r>
-              <a:rPr lang="en-US" sz="2800" i="1" dirty="0" smtClean="0"/>
-              <a:t>positive</a:t>
-            </a:r>
-            <a:r>
-              <a:rPr lang="en-US" sz="2800" dirty="0" smtClean="0"/>
-              <a:t> moving the the left, and something </a:t>
-            </a:r>
-            <a:r>
-              <a:rPr lang="en-US" sz="2800" i="1" dirty="0" smtClean="0"/>
-              <a:t>negative</a:t>
-            </a:r>
-            <a:r>
-              <a:rPr lang="en-US" sz="2800" dirty="0" smtClean="0"/>
-              <a:t> moving to the right are mathematically </a:t>
-            </a:r>
-            <a:r>
-              <a:rPr lang="en-US" sz="2800" i="1" dirty="0" smtClean="0"/>
-              <a:t>equivalent</a:t>
-            </a:r>
-            <a:r>
-              <a:rPr lang="en-US" sz="2800" dirty="0" smtClean="0"/>
-              <a:t>!</a:t>
-            </a:r>
-            <a:endParaRPr lang="en-US" sz="2800" dirty="0"/>
-          </a:p>
-        </p:txBody>
-      </p:sp>
-    </p:spTree>
-    <p:extLst>
-      <p:ext uri="{BB962C8B-B14F-4D97-AF65-F5344CB8AC3E}">
-        <p14:creationId xmlns:p14="http://schemas.microsoft.com/office/powerpoint/2010/main" val="840751952"/>
-      </p:ext>
-    </p:extLst>
-  </p:cSld>
-  <p:clrMapOvr>
-    <a:masterClrMapping/>
-  </p:clrMapOvr>
+  <p:timing>
+    <p:tnLst>
+      <p:par>
+        <p:cTn xmlns:p14="http://schemas.microsoft.com/office/powerpoint/2010/main" id="1" dur="indefinite" restart="never" nodeType="tmRoot"/>
+      </p:par>
+    </p:tnLst>
+  </p:timing>
 </p:sld>
 </file>
 
@@ -11908,12 +12173,26 @@
         </p:nvSpPr>
         <p:spPr/>
         <p:txBody>
-          <a:bodyPr/>
+          <a:bodyPr>
+            <a:normAutofit fontScale="90000"/>
+          </a:bodyPr>
           <a:lstStyle/>
           <a:p>
             <a:r>
               <a:rPr lang="en-US" dirty="0" smtClean="0"/>
-              <a:t>Why this obnoxiousness?</a:t>
+              <a:t>But how can you get away with being </a:t>
+            </a:r>
+            <a:r>
+              <a:rPr lang="en-US" i="1" dirty="0" smtClean="0"/>
+              <a:t>wrong</a:t>
+            </a:r>
+            <a:r>
+              <a:rPr lang="en-US" dirty="0" smtClean="0"/>
+              <a:t> like that</a:t>
+            </a:r>
+            <a:r>
+              <a:rPr lang="en-US" i="1" dirty="0" smtClean="0"/>
+              <a:t>?</a:t>
             </a:r>
             <a:endParaRPr lang="en-US" dirty="0"/>
           </a:p>
@@ -11931,69 +12210,242 @@
         </p:nvSpPr>
         <p:spPr/>
         <p:txBody>
-          <a:bodyPr>
-            <a:normAutofit lnSpcReduction="10000"/>
+          <a:bodyPr/>
+          <a:lstStyle/>
+          <a:p>
+            <a:r>
+              <a:rPr lang="en-US" dirty="0" smtClean="0"/>
+              <a:t>They are mathematically equivalent!</a:t>
+            </a:r>
+            <a:endParaRPr lang="en-US" dirty="0"/>
+          </a:p>
+        </p:txBody>
+      </p:sp>
+      <p:sp>
+        <p:nvSpPr>
+          <p:cNvPr id="4" name="Right Arrow 3"/>
+          <p:cNvSpPr/>
+          <p:nvPr/>
+        </p:nvSpPr>
+        <p:spPr>
+          <a:xfrm>
+            <a:off x="2088212" y="2335325"/>
+            <a:ext cx="3509057" cy="1355995"/>
+          </a:xfrm>
+          <a:prstGeom prst="rightArrow">
+            <a:avLst/>
+          </a:prstGeom>
+          <a:solidFill>
+            <a:srgbClr val="FFFFFF"/>
+          </a:solidFill>
+          <a:ln w="38100" cmpd="sng">
+            <a:solidFill>
+              <a:srgbClr val="000000"/>
+            </a:solidFill>
+          </a:ln>
+          <a:effectLst/>
+        </p:spPr>
+        <p:style>
+          <a:lnRef idx="1">
+            <a:schemeClr val="accent1"/>
+          </a:lnRef>
+          <a:fillRef idx="3">
+            <a:schemeClr val="accent1"/>
+          </a:fillRef>
+          <a:effectRef idx="2">
+            <a:schemeClr val="accent1"/>
+          </a:effectRef>
+          <a:fontRef idx="minor">
+            <a:schemeClr val="lt1"/>
+          </a:fontRef>
+        </p:style>
+        <p:txBody>
+          <a:bodyPr rtlCol="0" anchor="ctr"/>
+          <a:lstStyle/>
+          <a:p>
+            <a:pPr algn="ctr"/>
+            <a:endParaRPr lang="en-US"/>
+          </a:p>
+        </p:txBody>
+      </p:sp>
+      <p:sp>
+        <p:nvSpPr>
+          <p:cNvPr id="5" name="Right Arrow 4"/>
+          <p:cNvSpPr/>
+          <p:nvPr/>
+        </p:nvSpPr>
+        <p:spPr>
+          <a:xfrm flipH="1">
+            <a:off x="2088212" y="4770168"/>
+            <a:ext cx="3509057" cy="1355995"/>
+          </a:xfrm>
+          <a:prstGeom prst="rightArrow">
+            <a:avLst/>
+          </a:prstGeom>
+          <a:solidFill>
+            <a:srgbClr val="FFFFFF"/>
+          </a:solidFill>
+          <a:ln w="38100" cmpd="sng">
+            <a:solidFill>
+              <a:srgbClr val="000000"/>
+            </a:solidFill>
+          </a:ln>
+          <a:effectLst/>
+        </p:spPr>
+        <p:style>
+          <a:lnRef idx="1">
+            <a:schemeClr val="accent1"/>
+          </a:lnRef>
+          <a:fillRef idx="3">
+            <a:schemeClr val="accent1"/>
+          </a:fillRef>
+          <a:effectRef idx="2">
+            <a:schemeClr val="accent1"/>
+          </a:effectRef>
+          <a:fontRef idx="minor">
+            <a:schemeClr val="lt1"/>
+          </a:fontRef>
+        </p:style>
+        <p:txBody>
+          <a:bodyPr rtlCol="0" anchor="ctr"/>
+          <a:lstStyle/>
+          <a:p>
+            <a:pPr algn="ctr"/>
+            <a:endParaRPr lang="en-US"/>
+          </a:p>
+        </p:txBody>
+      </p:sp>
+      <p:sp>
+        <p:nvSpPr>
+          <p:cNvPr id="6" name="TextBox 5"/>
+          <p:cNvSpPr txBox="1"/>
+          <p:nvPr/>
+        </p:nvSpPr>
+        <p:spPr>
+          <a:xfrm>
+            <a:off x="2303491" y="2841133"/>
+            <a:ext cx="2583355" cy="523220"/>
+          </a:xfrm>
+          <a:prstGeom prst="rect">
+            <a:avLst/>
+          </a:prstGeom>
+          <a:noFill/>
+        </p:spPr>
+        <p:txBody>
+          <a:bodyPr wrap="square" rtlCol="0">
+            <a:spAutoFit/>
           </a:bodyPr>
           <a:lstStyle/>
           <a:p>
-            <a:endParaRPr lang="en-US" dirty="0" smtClean="0"/>
-          </a:p>
-          <a:p>
-            <a:r>
-              <a:rPr lang="en-US" dirty="0" smtClean="0"/>
-              <a:t>Electric current was discovered </a:t>
-            </a:r>
-            <a:r>
-              <a:rPr lang="en-US" i="1" dirty="0" smtClean="0"/>
-              <a:t>before</a:t>
-            </a:r>
-            <a:r>
-              <a:rPr lang="en-US" dirty="0" smtClean="0"/>
-              <a:t> electrons (or protons) were.</a:t>
-            </a:r>
-          </a:p>
-          <a:p>
-            <a:r>
-              <a:rPr lang="en-US" dirty="0" smtClean="0"/>
-              <a:t>The early scientists who created models of electric current didn’t know that it was the </a:t>
-            </a:r>
-            <a:r>
-              <a:rPr lang="en-US" i="1" dirty="0" smtClean="0"/>
+            <a:r>
+              <a:rPr lang="en-US" sz="2800" dirty="0" smtClean="0"/>
+              <a:t>+++++++++++</a:t>
+            </a:r>
+            <a:endParaRPr lang="en-US" sz="2800" dirty="0"/>
+          </a:p>
+        </p:txBody>
+      </p:sp>
+      <p:sp>
+        <p:nvSpPr>
+          <p:cNvPr id="7" name="TextBox 6"/>
+          <p:cNvSpPr txBox="1"/>
+          <p:nvPr/>
+        </p:nvSpPr>
+        <p:spPr>
+          <a:xfrm>
+            <a:off x="3164610" y="5190687"/>
+            <a:ext cx="2583355" cy="523220"/>
+          </a:xfrm>
+          <a:prstGeom prst="rect">
+            <a:avLst/>
+          </a:prstGeom>
+          <a:noFill/>
+        </p:spPr>
+        <p:txBody>
+          <a:bodyPr wrap="square" rtlCol="0">
+            <a:spAutoFit/>
+          </a:bodyPr>
+          <a:lstStyle/>
+          <a:p>
+            <a:r>
+              <a:rPr lang="en-US" sz="2800" dirty="0" smtClean="0"/>
+              <a:t>---------------</a:t>
+            </a:r>
+            <a:endParaRPr lang="en-US" sz="2800" dirty="0"/>
+          </a:p>
+        </p:txBody>
+      </p:sp>
+      <p:sp>
+        <p:nvSpPr>
+          <p:cNvPr id="8" name="TextBox 7"/>
+          <p:cNvSpPr txBox="1"/>
+          <p:nvPr/>
+        </p:nvSpPr>
+        <p:spPr>
+          <a:xfrm>
+            <a:off x="6313612" y="2335325"/>
+            <a:ext cx="2513389" cy="3970318"/>
+          </a:xfrm>
+          <a:prstGeom prst="rect">
+            <a:avLst/>
+          </a:prstGeom>
+          <a:noFill/>
+        </p:spPr>
+        <p:txBody>
+          <a:bodyPr wrap="square" rtlCol="0">
+            <a:spAutoFit/>
+          </a:bodyPr>
+          <a:lstStyle/>
+          <a:p>
+            <a:r>
+              <a:rPr lang="en-US" sz="2800" dirty="0" smtClean="0"/>
+              <a:t>Something </a:t>
+            </a:r>
+            <a:r>
+              <a:rPr lang="en-US" sz="2800" i="1" dirty="0" smtClean="0"/>
+              <a:t>positive</a:t>
+            </a:r>
+            <a:r>
+              <a:rPr lang="en-US" sz="2800" dirty="0" smtClean="0"/>
+              <a:t> moving the the left, and something </a:t>
+            </a:r>
+            <a:r>
+              <a:rPr lang="en-US" sz="2800" i="1" dirty="0" smtClean="0"/>
               <a:t>negative</a:t>
             </a:r>
             <a:r>
-              <a:rPr lang="en-US" dirty="0" smtClean="0"/>
-              <a:t> charges that moved.</a:t>
-            </a:r>
-          </a:p>
-          <a:p>
-            <a:r>
-              <a:rPr lang="en-US" dirty="0" smtClean="0"/>
-              <a:t>So, when studying electric current, everything is backwards.</a:t>
-            </a:r>
-          </a:p>
-          <a:p>
-            <a:r>
-              <a:rPr lang="en-US" dirty="0" smtClean="0"/>
-              <a:t>Sorry!</a:t>
-            </a:r>
-            <a:endParaRPr lang="en-US" dirty="0"/>
-          </a:p>
-          <a:p>
-            <a:endParaRPr lang="en-US" dirty="0" smtClean="0"/>
+              <a:rPr lang="en-US" sz="2800" dirty="0" smtClean="0"/>
+              <a:t> moving to the right are mathematically </a:t>
+            </a:r>
+            <a:r>
+              <a:rPr lang="en-US" sz="2800" i="1" dirty="0" smtClean="0"/>
+              <a:t>equivalent</a:t>
+            </a:r>
+            <a:r>
+              <a:rPr lang="en-US" sz="2800" dirty="0" smtClean="0"/>
+              <a:t>!</a:t>
+            </a:r>
+            <a:endParaRPr lang="en-US" sz="2800" dirty="0"/>
           </a:p>
         </p:txBody>
       </p:sp>
     </p:spTree>
     <p:extLst>
       <p:ext uri="{BB962C8B-B14F-4D97-AF65-F5344CB8AC3E}">
-        <p14:creationId xmlns:p14="http://schemas.microsoft.com/office/powerpoint/2010/main" val="1749933273"/>
+        <p14:creationId xmlns:p14="http://schemas.microsoft.com/office/powerpoint/2010/main" val="840751952"/>
       </p:ext>
     </p:extLst>
   </p:cSld>
   <p:clrMapOvr>
     <a:masterClrMapping/>
   </p:clrMapOvr>
+  <p:timing>
+    <p:tnLst>
+      <p:par>
+        <p:cTn xmlns:p14="http://schemas.microsoft.com/office/powerpoint/2010/main" id="1" dur="indefinite" restart="never" nodeType="tmRoot"/>
+      </p:par>
+    </p:tnLst>
+  </p:timing>
 </p:sld>
 </file>
 
@@ -12029,7 +12481,11 @@
           <a:bodyPr/>
           <a:lstStyle/>
           <a:p>
-            <a:endParaRPr lang="en-US"/>
+            <a:r>
+              <a:rPr lang="en-US" dirty="0" smtClean="0"/>
+              <a:t>Why this obnoxiousness?</a:t>
+            </a:r>
+            <a:endParaRPr lang="en-US" dirty="0"/>
           </a:p>
         </p:txBody>
       </p:sp>
@@ -12045,43 +12501,76 @@
         </p:nvSpPr>
         <p:spPr/>
         <p:txBody>
-          <a:bodyPr/>
-          <a:lstStyle/>
+          <a:bodyPr>
+            <a:normAutofit lnSpcReduction="10000"/>
+          </a:bodyPr>
+          <a:lstStyle/>
+          <a:p>
+            <a:endParaRPr lang="en-US" dirty="0" smtClean="0"/>
+          </a:p>
           <a:p>
             <a:r>
               <a:rPr lang="en-US" dirty="0" smtClean="0"/>
-              <a:t>In all my college classes, my professors would just blame Ben Franklin. </a:t>
-            </a:r>
-          </a:p>
-          <a:p>
+              <a:t>Electric current was discovered </a:t>
+            </a:r>
+            <a:r>
+              <a:rPr lang="en-US" i="1" dirty="0" smtClean="0"/>
+              <a:t>before</a:t>
+            </a:r>
             <a:r>
               <a:rPr lang="en-US" dirty="0" smtClean="0"/>
-              <a:t>I never really understood why. </a:t>
-            </a:r>
-          </a:p>
-          <a:p>
-            <a:r>
-              <a:rPr lang="en-US" dirty="0"/>
-              <a:t>P</a:t>
-            </a:r>
+              <a:t> electrons (or protons) were.</a:t>
+            </a:r>
+          </a:p>
+          <a:p>
             <a:r>
               <a:rPr lang="en-US" dirty="0" smtClean="0"/>
-              <a:t>robably because he first posited that lightning bolts are caused by tiny moving particles. </a:t>
+              <a:t>The early scientists who created models of electric current didn’t know that it was the </a:t>
+            </a:r>
+            <a:r>
+              <a:rPr lang="en-US" i="1" dirty="0" smtClean="0"/>
+              <a:t>negative</a:t>
+            </a:r>
+            <a:r>
+              <a:rPr lang="en-US" dirty="0" smtClean="0"/>
+              <a:t> charges that moved.</a:t>
+            </a:r>
+          </a:p>
+          <a:p>
+            <a:r>
+              <a:rPr lang="en-US" dirty="0" smtClean="0"/>
+              <a:t>So, when studying electric current, everything is backwards.</a:t>
+            </a:r>
+          </a:p>
+          <a:p>
+            <a:r>
+              <a:rPr lang="en-US" dirty="0" smtClean="0"/>
+              <a:t>Sorry!</a:t>
             </a:r>
             <a:endParaRPr lang="en-US" dirty="0"/>
+          </a:p>
+          <a:p>
+            <a:endParaRPr lang="en-US" dirty="0" smtClean="0"/>
           </a:p>
         </p:txBody>
       </p:sp>
     </p:spTree>
     <p:extLst>
       <p:ext uri="{BB962C8B-B14F-4D97-AF65-F5344CB8AC3E}">
-        <p14:creationId xmlns:p14="http://schemas.microsoft.com/office/powerpoint/2010/main" val="557226771"/>
+        <p14:creationId xmlns:p14="http://schemas.microsoft.com/office/powerpoint/2010/main" val="1749933273"/>
       </p:ext>
     </p:extLst>
   </p:cSld>
   <p:clrMapOvr>
     <a:masterClrMapping/>
   </p:clrMapOvr>
+  <p:timing>
+    <p:tnLst>
+      <p:par>
+        <p:cTn xmlns:p14="http://schemas.microsoft.com/office/powerpoint/2010/main" id="1" dur="indefinite" restart="never" nodeType="tmRoot"/>
+      </p:par>
+    </p:tnLst>
+  </p:timing>
 </p:sld>
 </file>
 
@@ -12109,6 +12598,161 @@
             <a:spLocks noGrp="1"/>
           </p:cNvSpPr>
           <p:nvPr>
+            <p:ph type="title"/>
+          </p:nvPr>
+        </p:nvSpPr>
+        <p:spPr/>
+        <p:txBody>
+          <a:bodyPr/>
+          <a:lstStyle/>
+          <a:p>
+            <a:endParaRPr lang="en-US"/>
+          </a:p>
+        </p:txBody>
+      </p:sp>
+      <p:sp>
+        <p:nvSpPr>
+          <p:cNvPr id="3" name="Content Placeholder 2"/>
+          <p:cNvSpPr>
+            <a:spLocks noGrp="1"/>
+          </p:cNvSpPr>
+          <p:nvPr>
+            <p:ph idx="1"/>
+          </p:nvPr>
+        </p:nvSpPr>
+        <p:spPr/>
+        <p:txBody>
+          <a:bodyPr/>
+          <a:lstStyle/>
+          <a:p>
+            <a:r>
+              <a:rPr lang="en-US" dirty="0" smtClean="0"/>
+              <a:t>In all my college classes, my professors would just blame Ben Franklin. </a:t>
+            </a:r>
+          </a:p>
+          <a:p>
+            <a:r>
+              <a:rPr lang="en-US" dirty="0" smtClean="0"/>
+              <a:t>I never really understood why. </a:t>
+            </a:r>
+          </a:p>
+          <a:p>
+            <a:r>
+              <a:rPr lang="en-US" dirty="0"/>
+              <a:t>P</a:t>
+            </a:r>
+            <a:r>
+              <a:rPr lang="en-US" dirty="0" smtClean="0"/>
+              <a:t>robably because he first posited that lightning bolts are caused by tiny moving particles. </a:t>
+            </a:r>
+            <a:endParaRPr lang="en-US" dirty="0"/>
+          </a:p>
+        </p:txBody>
+      </p:sp>
+    </p:spTree>
+    <p:extLst>
+      <p:ext uri="{BB962C8B-B14F-4D97-AF65-F5344CB8AC3E}">
+        <p14:creationId xmlns:p14="http://schemas.microsoft.com/office/powerpoint/2010/main" val="557226771"/>
+      </p:ext>
+    </p:extLst>
+  </p:cSld>
+  <p:clrMapOvr>
+    <a:masterClrMapping/>
+  </p:clrMapOvr>
+  <p:timing>
+    <p:tnLst>
+      <p:par>
+        <p:cTn xmlns:p14="http://schemas.microsoft.com/office/powerpoint/2010/main" id="1" dur="indefinite" restart="never" nodeType="tmRoot"/>
+      </p:par>
+    </p:tnLst>
+  </p:timing>
+</p:sld>
+</file>
+
+<file path=ppt/slides/slide44.xml><?xml version="1.0" encoding="utf-8"?>
+<p:sld xmlns:a="http://schemas.openxmlformats.org/drawingml/2006/main" xmlns:r="http://schemas.openxmlformats.org/officeDocument/2006/relationships" xmlns:p="http://schemas.openxmlformats.org/presentationml/2006/main">
+  <p:cSld>
+    <p:spTree>
+      <p:nvGrpSpPr>
+        <p:cNvPr id="1" name=""/>
+        <p:cNvGrpSpPr/>
+        <p:nvPr/>
+      </p:nvGrpSpPr>
+      <p:grpSpPr>
+        <a:xfrm>
+          <a:off x="0" y="0"/>
+          <a:ext cx="0" cy="0"/>
+          <a:chOff x="0" y="0"/>
+          <a:chExt cx="0" cy="0"/>
+        </a:xfrm>
+      </p:grpSpPr>
+      <p:pic>
+        <p:nvPicPr>
+          <p:cNvPr id="2" name="Picture 1" descr="220px-Benjamin_Franklin_by_Joseph_Duplessis_1778.jpg"/>
+          <p:cNvPicPr>
+            <a:picLocks noChangeAspect="1"/>
+          </p:cNvPicPr>
+          <p:nvPr/>
+        </p:nvPicPr>
+        <p:blipFill>
+          <a:blip r:embed="rId2">
+            <a:extLst>
+              <a:ext uri="{28A0092B-C50C-407E-A947-70E740481C1C}">
+                <a14:useLocalDpi xmlns:a14="http://schemas.microsoft.com/office/drawing/2010/main" val="0"/>
+              </a:ext>
+            </a:extLst>
+          </a:blip>
+          <a:stretch>
+            <a:fillRect/>
+          </a:stretch>
+        </p:blipFill>
+        <p:spPr>
+          <a:xfrm>
+            <a:off x="2531097" y="572950"/>
+            <a:ext cx="4172543" cy="5101882"/>
+          </a:xfrm>
+          <a:prstGeom prst="rect">
+            <a:avLst/>
+          </a:prstGeom>
+        </p:spPr>
+      </p:pic>
+    </p:spTree>
+    <p:extLst>
+      <p:ext uri="{BB962C8B-B14F-4D97-AF65-F5344CB8AC3E}">
+        <p14:creationId xmlns:p14="http://schemas.microsoft.com/office/powerpoint/2010/main" val="3245799347"/>
+      </p:ext>
+    </p:extLst>
+  </p:cSld>
+  <p:clrMapOvr>
+    <a:masterClrMapping/>
+  </p:clrMapOvr>
+</p:sld>
+</file>
+
+<file path=ppt/slides/slide45.xml><?xml version="1.0" encoding="utf-8"?>
+<p:sld xmlns:a="http://schemas.openxmlformats.org/drawingml/2006/main" xmlns:r="http://schemas.openxmlformats.org/officeDocument/2006/relationships" xmlns:p="http://schemas.openxmlformats.org/presentationml/2006/main">
+  <p:cSld>
+    <p:spTree>
+      <p:nvGrpSpPr>
+        <p:cNvPr id="1" name=""/>
+        <p:cNvGrpSpPr/>
+        <p:nvPr/>
+      </p:nvGrpSpPr>
+      <p:grpSpPr>
+        <a:xfrm>
+          <a:off x="0" y="0"/>
+          <a:ext cx="0" cy="0"/>
+          <a:chOff x="0" y="0"/>
+          <a:chExt cx="0" cy="0"/>
+        </a:xfrm>
+      </p:grpSpPr>
+      <p:sp>
+        <p:nvSpPr>
+          <p:cNvPr id="2" name="Title 1"/>
+          <p:cNvSpPr>
+            <a:spLocks noGrp="1"/>
+          </p:cNvSpPr>
+          <p:nvPr>
             <p:ph type="ctrTitle"/>
           </p:nvPr>
         </p:nvSpPr>
@@ -12158,6 +12802,13 @@
   <p:clrMapOvr>
     <a:masterClrMapping/>
   </p:clrMapOvr>
+  <p:timing>
+    <p:tnLst>
+      <p:par>
+        <p:cTn xmlns:p14="http://schemas.microsoft.com/office/powerpoint/2010/main" id="1" dur="indefinite" restart="never" nodeType="tmRoot"/>
+      </p:par>
+    </p:tnLst>
+  </p:timing>
 </p:sld>
 </file>
 
@@ -12234,6 +12885,13 @@
   <p:clrMapOvr>
     <a:masterClrMapping/>
   </p:clrMapOvr>
+  <p:timing>
+    <p:tnLst>
+      <p:par>
+        <p:cTn xmlns:p14="http://schemas.microsoft.com/office/powerpoint/2010/main" id="1" dur="indefinite" restart="never" nodeType="tmRoot"/>
+      </p:par>
+    </p:tnLst>
+  </p:timing>
 </p:sld>
 </file>
 
@@ -12319,6 +12977,51 @@
           </a:p>
         </p:txBody>
       </p:sp>
+      <p:sp>
+        <p:nvSpPr>
+          <p:cNvPr id="5" name="Oval 4"/>
+          <p:cNvSpPr/>
+          <p:nvPr/>
+        </p:nvSpPr>
+        <p:spPr>
+          <a:xfrm>
+            <a:off x="258737" y="2187035"/>
+            <a:ext cx="8020846" cy="729011"/>
+          </a:xfrm>
+          <a:prstGeom prst="ellipse">
+            <a:avLst/>
+          </a:prstGeom>
+          <a:noFill/>
+          <a:ln w="38100" cmpd="sng">
+            <a:solidFill>
+              <a:srgbClr val="FF0000"/>
+            </a:solidFill>
+          </a:ln>
+          <a:effectLst/>
+        </p:spPr>
+        <p:style>
+          <a:lnRef idx="1">
+            <a:schemeClr val="accent1"/>
+          </a:lnRef>
+          <a:fillRef idx="3">
+            <a:schemeClr val="accent1"/>
+          </a:fillRef>
+          <a:effectRef idx="2">
+            <a:schemeClr val="accent1"/>
+          </a:effectRef>
+          <a:fontRef idx="minor">
+            <a:schemeClr val="lt1"/>
+          </a:fontRef>
+        </p:style>
+        <p:txBody>
+          <a:bodyPr rtlCol="0" anchor="ctr"/>
+          <a:lstStyle/>
+          <a:p>
+            <a:pPr algn="ctr"/>
+            <a:endParaRPr lang="en-US"/>
+          </a:p>
+        </p:txBody>
+      </p:sp>
     </p:spTree>
     <p:extLst>
       <p:ext uri="{BB962C8B-B14F-4D97-AF65-F5344CB8AC3E}">
@@ -12329,6 +13032,84 @@
   <p:clrMapOvr>
     <a:masterClrMapping/>
   </p:clrMapOvr>
+  <p:timing>
+    <p:tnLst>
+      <p:par>
+        <p:cTn xmlns:p14="http://schemas.microsoft.com/office/powerpoint/2010/main" id="1" dur="indefinite" restart="never" nodeType="tmRoot">
+          <p:childTnLst>
+            <p:seq concurrent="1" nextAc="seek">
+              <p:cTn id="2" dur="indefinite" nodeType="mainSeq">
+                <p:childTnLst>
+                  <p:par>
+                    <p:cTn id="3" fill="hold">
+                      <p:stCondLst>
+                        <p:cond delay="indefinite"/>
+                      </p:stCondLst>
+                      <p:childTnLst>
+                        <p:par>
+                          <p:cTn id="4" fill="hold">
+                            <p:stCondLst>
+                              <p:cond delay="0"/>
+                            </p:stCondLst>
+                            <p:childTnLst>
+                              <p:par>
+                                <p:cTn id="5" presetID="1" presetClass="entr" presetSubtype="0" fill="hold" grpId="0" nodeType="clickEffect">
+                                  <p:stCondLst>
+                                    <p:cond delay="0"/>
+                                  </p:stCondLst>
+                                  <p:childTnLst>
+                                    <p:set>
+                                      <p:cBhvr>
+                                        <p:cTn id="6" dur="1" fill="hold">
+                                          <p:stCondLst>
+                                            <p:cond delay="0"/>
+                                          </p:stCondLst>
+                                        </p:cTn>
+                                        <p:tgtEl>
+                                          <p:spTgt spid="5"/>
+                                        </p:tgtEl>
+                                        <p:attrNameLst>
+                                          <p:attrName>style.visibility</p:attrName>
+                                        </p:attrNameLst>
+                                      </p:cBhvr>
+                                      <p:to>
+                                        <p:strVal val="visible"/>
+                                      </p:to>
+                                    </p:set>
+                                  </p:childTnLst>
+                                </p:cTn>
+                              </p:par>
+                            </p:childTnLst>
+                          </p:cTn>
+                        </p:par>
+                      </p:childTnLst>
+                    </p:cTn>
+                  </p:par>
+                </p:childTnLst>
+              </p:cTn>
+              <p:prevCondLst>
+                <p:cond evt="onPrev" delay="0">
+                  <p:tgtEl>
+                    <p:sldTgt/>
+                  </p:tgtEl>
+                </p:cond>
+              </p:prevCondLst>
+              <p:nextCondLst>
+                <p:cond evt="onNext" delay="0">
+                  <p:tgtEl>
+                    <p:sldTgt/>
+                  </p:tgtEl>
+                </p:cond>
+              </p:nextCondLst>
+            </p:seq>
+          </p:childTnLst>
+        </p:cTn>
+      </p:par>
+    </p:tnLst>
+    <p:bldLst>
+      <p:bldP spid="5" grpId="0" animBg="1"/>
+    </p:bldLst>
+  </p:timing>
 </p:sld>
 </file>
 
@@ -12420,6 +13201,13 @@
   <p:clrMapOvr>
     <a:masterClrMapping/>
   </p:clrMapOvr>
+  <p:timing>
+    <p:tnLst>
+      <p:par>
+        <p:cTn xmlns:p14="http://schemas.microsoft.com/office/powerpoint/2010/main" id="1" dur="indefinite" restart="never" nodeType="tmRoot"/>
+      </p:par>
+    </p:tnLst>
+  </p:timing>
 </p:sld>
 </file>
 
@@ -12535,6 +13323,13 @@
   <p:clrMapOvr>
     <a:masterClrMapping/>
   </p:clrMapOvr>
+  <p:timing>
+    <p:tnLst>
+      <p:par>
+        <p:cTn xmlns:p14="http://schemas.microsoft.com/office/powerpoint/2010/main" id="1" dur="indefinite" restart="never" nodeType="tmRoot"/>
+      </p:par>
+    </p:tnLst>
+  </p:timing>
 </p:sld>
 </file>
 
@@ -12636,6 +13431,13 @@
   <p:clrMapOvr>
     <a:masterClrMapping/>
   </p:clrMapOvr>
+  <p:timing>
+    <p:tnLst>
+      <p:par>
+        <p:cTn xmlns:p14="http://schemas.microsoft.com/office/powerpoint/2010/main" id="1" dur="indefinite" restart="never" nodeType="tmRoot"/>
+      </p:par>
+    </p:tnLst>
+  </p:timing>
 </p:sld>
 </file>
 
